--- a/work/Proctor/学堂云产品_线上监考-V1.pptx
+++ b/work/Proctor/学堂云产品_线上监考-V1.pptx
@@ -6,7 +6,7 @@
     <p:sldMasterId id="2147483662" r:id="rId2"/>
   </p:sldMasterIdLst>
   <p:notesMasterIdLst>
-    <p:notesMasterId r:id="rId16"/>
+    <p:notesMasterId r:id="rId23"/>
   </p:notesMasterIdLst>
   <p:sldIdLst>
     <p:sldId id="256" r:id="rId3"/>
@@ -21,7 +21,14 @@
     <p:sldId id="1403" r:id="rId12"/>
     <p:sldId id="1404" r:id="rId13"/>
     <p:sldId id="1405" r:id="rId14"/>
-    <p:sldId id="1350" r:id="rId15"/>
+    <p:sldId id="1412" r:id="rId15"/>
+    <p:sldId id="1350" r:id="rId16"/>
+    <p:sldId id="1406" r:id="rId17"/>
+    <p:sldId id="1407" r:id="rId18"/>
+    <p:sldId id="1408" r:id="rId19"/>
+    <p:sldId id="1409" r:id="rId20"/>
+    <p:sldId id="1410" r:id="rId21"/>
+    <p:sldId id="1411" r:id="rId22"/>
   </p:sldIdLst>
   <p:sldSz cx="9144000" cy="6858000" type="screen4x3"/>
   <p:notesSz cx="6858000" cy="9144000"/>
@@ -157,7 +164,7 @@
   </p:defaultTextStyle>
   <p:extLst>
     <p:ext uri="{EFAFB233-063F-42B5-8137-9DF3F51BA10A}">
-      <p15:sldGuideLst xmlns:p15="http://schemas.microsoft.com/office/powerpoint/2012/main">
+      <p15:sldGuideLst xmlns:p15="http://schemas.microsoft.com/office/powerpoint/2012/main" xmlns="">
         <p15:guide id="1" orient="horz" pos="2170">
           <p15:clr>
             <a:srgbClr val="A4A3A4"/>
@@ -332,7 +339,7 @@
               <a:pPr>
                 <a:defRPr/>
               </a:pPr>
-              <a:t>2017/9/9</a:t>
+              <a:t>2017/9/11</a:t>
             </a:fld>
             <a:endParaRPr lang="zh-CN" altLang="en-US" sz="1200"/>
           </a:p>
@@ -1074,7 +1081,7 @@
             <a:fld id="{C4459E3C-94D8-4EEC-B156-A509661D9009}" type="datetime1">
               <a:rPr lang="zh-CN" altLang="en-US" smtClean="0"/>
               <a:pPr eaLnBrk="1" hangingPunct="1"/>
-              <a:t>2017/9/9</a:t>
+              <a:t>2017/9/11</a:t>
             </a:fld>
             <a:endParaRPr lang="zh-CN" altLang="en-US" sz="1200"/>
           </a:p>
@@ -1448,7 +1455,7 @@
             <a:fld id="{C4459E3C-94D8-4EEC-B156-A509661D9009}" type="datetime1">
               <a:rPr lang="zh-CN" altLang="en-US" smtClean="0"/>
               <a:pPr eaLnBrk="1" hangingPunct="1"/>
-              <a:t>2017/9/9</a:t>
+              <a:t>2017/9/11</a:t>
             </a:fld>
             <a:endParaRPr lang="zh-CN" altLang="en-US" sz="1200"/>
           </a:p>
@@ -1585,7 +1592,7 @@
             <a:fld id="{18DAF92A-F0C3-4E3D-B2F6-5E3EBAA24B4D}" type="slidenum">
               <a:rPr lang="zh-CN" altLang="en-US"/>
               <a:pPr eaLnBrk="1" hangingPunct="1"/>
-              <a:t>13</a:t>
+              <a:t>14</a:t>
             </a:fld>
             <a:endParaRPr lang="zh-CN" altLang="en-US" sz="1200"/>
           </a:p>
@@ -9438,6 +9445,218 @@
           </a:p>
         </p:txBody>
       </p:sp>
+      <p:sp>
+        <p:nvSpPr>
+          <p:cNvPr id="2" name="TextBox 1"/>
+          <p:cNvSpPr txBox="1"/>
+          <p:nvPr/>
+        </p:nvSpPr>
+        <p:spPr>
+          <a:xfrm>
+            <a:off x="696123" y="1728316"/>
+            <a:ext cx="7832917" cy="4616648"/>
+          </a:xfrm>
+          <a:prstGeom prst="rect">
+            <a:avLst/>
+          </a:prstGeom>
+          <a:noFill/>
+        </p:spPr>
+        <p:txBody>
+          <a:bodyPr wrap="square" rtlCol="0">
+            <a:spAutoFit/>
+          </a:bodyPr>
+          <a:lstStyle/>
+          <a:p>
+            <a:pPr marL="285750" indent="-285750">
+              <a:buFont typeface="Wingdings" panose="05000000000000000000" pitchFamily="2" charset="2"/>
+              <a:buChar char="l"/>
+            </a:pPr>
+            <a:r>
+              <a:rPr lang="zh-CN" altLang="en-US" sz="2000" dirty="0" smtClean="0"/>
+              <a:t>人脸识别</a:t>
+            </a:r>
+            <a:endParaRPr lang="en-US" altLang="zh-CN" sz="2000" dirty="0" smtClean="0"/>
+          </a:p>
+          <a:p>
+            <a:r>
+              <a:rPr lang="en-CA" altLang="zh-CN" sz="2000" dirty="0" smtClean="0"/>
+              <a:t>     face</a:t>
+            </a:r>
+            <a:r>
+              <a:rPr lang="en-CA" altLang="zh-CN" sz="2000" dirty="0"/>
+              <a:t>++,DeepID3</a:t>
+            </a:r>
+            <a:r>
+              <a:rPr lang="zh-CN" altLang="zh-CN" sz="2000" dirty="0"/>
+              <a:t>，</a:t>
+            </a:r>
+            <a:r>
+              <a:rPr lang="en-CA" altLang="zh-CN" sz="2000" dirty="0" err="1" smtClean="0"/>
+              <a:t>FaceNet</a:t>
+            </a:r>
+            <a:r>
+              <a:rPr lang="zh-CN" altLang="en-US" sz="2000" dirty="0" smtClean="0"/>
+              <a:t>， </a:t>
+            </a:r>
+            <a:endParaRPr lang="en-US" altLang="zh-CN" sz="2000" dirty="0" smtClean="0"/>
+          </a:p>
+          <a:p>
+            <a:r>
+              <a:rPr lang="en-US" altLang="zh-CN" sz="2000" dirty="0"/>
+              <a:t> </a:t>
+            </a:r>
+            <a:r>
+              <a:rPr lang="en-US" altLang="zh-CN" sz="2000" dirty="0" smtClean="0"/>
+              <a:t>    </a:t>
+            </a:r>
+            <a:r>
+              <a:rPr lang="en-US" altLang="zh-CN" sz="2000" dirty="0" smtClean="0">
+                <a:hlinkClick r:id="rId2"/>
+              </a:rPr>
+              <a:t>R-CNN</a:t>
+            </a:r>
+            <a:r>
+              <a:rPr lang="en-US" altLang="zh-CN" sz="2000" dirty="0" smtClean="0"/>
+              <a:t> </a:t>
+            </a:r>
+            <a:r>
+              <a:rPr lang="zh-CN" altLang="en-US" sz="2000" dirty="0" smtClean="0"/>
+              <a:t>， </a:t>
+            </a:r>
+            <a:r>
+              <a:rPr lang="en-US" altLang="zh-CN" sz="2000" dirty="0" err="1" smtClean="0"/>
+              <a:t>Adaboost</a:t>
+            </a:r>
+            <a:r>
+              <a:rPr lang="en-US" altLang="zh-CN" sz="2000" dirty="0" smtClean="0"/>
+              <a:t>, PCA</a:t>
+            </a:r>
+            <a:endParaRPr lang="en-CA" altLang="zh-CN" sz="2000" dirty="0" smtClean="0"/>
+          </a:p>
+          <a:p>
+            <a:endParaRPr lang="en-CA" altLang="zh-CN" sz="2000" dirty="0"/>
+          </a:p>
+          <a:p>
+            <a:pPr marL="285750" indent="-285750">
+              <a:buFont typeface="Wingdings" panose="05000000000000000000" pitchFamily="2" charset="2"/>
+              <a:buChar char="l"/>
+            </a:pPr>
+            <a:r>
+              <a:rPr lang="zh-CN" altLang="en-US" sz="2000" dirty="0" smtClean="0"/>
+              <a:t>程序库</a:t>
+            </a:r>
+            <a:endParaRPr lang="en-US" altLang="zh-CN" sz="2000" dirty="0" smtClean="0"/>
+          </a:p>
+          <a:p>
+            <a:pPr marL="742950" lvl="1" indent="-285750">
+              <a:buFont typeface="Wingdings" panose="05000000000000000000" pitchFamily="2" charset="2"/>
+              <a:buChar char="Ø"/>
+            </a:pPr>
+            <a:r>
+              <a:rPr lang="en-US" altLang="zh-CN" sz="2000" dirty="0" err="1" smtClean="0"/>
+              <a:t>OpenCV</a:t>
+            </a:r>
+            <a:r>
+              <a:rPr lang="en-US" altLang="zh-CN" sz="2000" dirty="0"/>
+              <a:t> </a:t>
+            </a:r>
+            <a:r>
+              <a:rPr lang="en-US" altLang="zh-CN" sz="2000" dirty="0">
+                <a:hlinkClick r:id="rId3"/>
+              </a:rPr>
+              <a:t>http://opencv.org</a:t>
+            </a:r>
+            <a:r>
+              <a:rPr lang="en-US" altLang="zh-CN" sz="2000" dirty="0" smtClean="0">
+                <a:hlinkClick r:id="rId3"/>
+              </a:rPr>
+              <a:t>/</a:t>
+            </a:r>
+            <a:r>
+              <a:rPr lang="en-US" altLang="zh-CN" sz="2000" dirty="0" smtClean="0"/>
+              <a:t> </a:t>
+            </a:r>
+          </a:p>
+          <a:p>
+            <a:pPr marL="742950" lvl="1" indent="-285750">
+              <a:buFont typeface="Wingdings" panose="05000000000000000000" pitchFamily="2" charset="2"/>
+              <a:buChar char="Ø"/>
+            </a:pPr>
+            <a:r>
+              <a:rPr lang="en-US" altLang="zh-CN" sz="2000" dirty="0" err="1" smtClean="0"/>
+              <a:t>dlib</a:t>
+            </a:r>
+            <a:endParaRPr lang="en-US" altLang="zh-CN" sz="2000" dirty="0" smtClean="0"/>
+          </a:p>
+          <a:p>
+            <a:endParaRPr lang="en-US" altLang="zh-CN" sz="2000" dirty="0"/>
+          </a:p>
+          <a:p>
+            <a:pPr marL="285750" indent="-285750">
+              <a:buFont typeface="Wingdings" panose="05000000000000000000" pitchFamily="2" charset="2"/>
+              <a:buChar char="l"/>
+            </a:pPr>
+            <a:r>
+              <a:rPr lang="zh-CN" altLang="en-US" sz="2000" dirty="0"/>
+              <a:t>数据</a:t>
+            </a:r>
+            <a:r>
+              <a:rPr lang="zh-CN" altLang="en-US" sz="2000" dirty="0" smtClean="0"/>
+              <a:t>集</a:t>
+            </a:r>
+            <a:endParaRPr lang="en-US" altLang="zh-CN" sz="2000" dirty="0" smtClean="0"/>
+          </a:p>
+          <a:p>
+            <a:pPr marL="742950" lvl="1" indent="-285750">
+              <a:buFont typeface="Wingdings" panose="05000000000000000000" pitchFamily="2" charset="2"/>
+              <a:buChar char="Ø"/>
+            </a:pPr>
+            <a:r>
+              <a:rPr lang="en-US" altLang="zh-CN" sz="2000" dirty="0" smtClean="0"/>
+              <a:t>LFW</a:t>
+            </a:r>
+          </a:p>
+          <a:p>
+            <a:pPr marL="742950" lvl="1" indent="-285750">
+              <a:buFont typeface="Wingdings" panose="05000000000000000000" pitchFamily="2" charset="2"/>
+              <a:buChar char="Ø"/>
+            </a:pPr>
+            <a:r>
+              <a:rPr lang="en-US" altLang="zh-CN" sz="2000" dirty="0" err="1" smtClean="0"/>
+              <a:t>ImageNET</a:t>
+            </a:r>
+            <a:endParaRPr lang="en-US" altLang="zh-CN" sz="2000" dirty="0" smtClean="0"/>
+          </a:p>
+          <a:p>
+            <a:pPr marL="742950" lvl="1" indent="-285750">
+              <a:buFont typeface="Wingdings" panose="05000000000000000000" pitchFamily="2" charset="2"/>
+              <a:buChar char="Ø"/>
+            </a:pPr>
+            <a:r>
+              <a:rPr lang="en-US" altLang="zh-CN" sz="2000" dirty="0" err="1"/>
+              <a:t>FaceTracer</a:t>
+            </a:r>
+            <a:endParaRPr lang="en-US" altLang="zh-CN" sz="2000" dirty="0"/>
+          </a:p>
+          <a:p>
+            <a:pPr marL="285750" indent="-285750">
+              <a:buFont typeface="Wingdings" panose="05000000000000000000" pitchFamily="2" charset="2"/>
+              <a:buChar char="l"/>
+            </a:pPr>
+            <a:endParaRPr lang="en-US" altLang="zh-CN" dirty="0" smtClean="0"/>
+          </a:p>
+          <a:p>
+            <a:endParaRPr lang="en-US" altLang="zh-CN" dirty="0"/>
+          </a:p>
+          <a:p>
+            <a:r>
+              <a:rPr lang="en-US" altLang="zh-CN" dirty="0" smtClean="0"/>
+              <a:t> </a:t>
+            </a:r>
+            <a:endParaRPr lang="zh-CN" altLang="en-US" dirty="0"/>
+          </a:p>
+        </p:txBody>
+      </p:sp>
     </p:spTree>
     <p:extLst>
       <p:ext uri="{BB962C8B-B14F-4D97-AF65-F5344CB8AC3E}">
@@ -9576,7 +9795,7 @@
           <p:cNvPr id="2" name="文本框 1">
             <a:extLst>
               <a:ext uri="{FF2B5EF4-FFF2-40B4-BE49-F238E27FC236}">
-                <a16:creationId xmlns:a16="http://schemas.microsoft.com/office/drawing/2014/main" id="{041DED89-0754-4F18-8EF6-203A4054C73D}"/>
+                <a16:creationId xmlns:a16="http://schemas.microsoft.com/office/drawing/2014/main" xmlns="" id="{041DED89-0754-4F18-8EF6-203A4054C73D}"/>
               </a:ext>
             </a:extLst>
           </p:cNvPr>
@@ -9611,16 +9830,12 @@
           </a:p>
           <a:p>
             <a:r>
-              <a:rPr lang="en-CA" sz="2400"/>
+              <a:rPr lang="en-CA" sz="2400" dirty="0"/>
               <a:t>    </a:t>
             </a:r>
             <a:r>
-              <a:rPr lang="zh-CN" altLang="en-US" sz="2400"/>
-              <a:t>隐含</a:t>
-            </a:r>
-            <a:r>
               <a:rPr lang="zh-CN" altLang="en-US" sz="2400" dirty="0"/>
-              <a:t>马尔可夫模型（</a:t>
+              <a:t>隐含马尔可夫模型（</a:t>
             </a:r>
             <a:r>
               <a:rPr lang="en-US" altLang="zh-CN" sz="2400" dirty="0"/>
@@ -9719,11 +9934,15 @@
             </a:r>
             <a:r>
               <a:rPr lang="en-US" altLang="zh-CN" sz="2400" dirty="0"/>
-              <a:t>-  </a:t>
+              <a:t>- </a:t>
+            </a:r>
+            <a:r>
+              <a:rPr lang="zh-CN" altLang="en-US" sz="2400" dirty="0" smtClean="0"/>
+              <a:t>百</a:t>
             </a:r>
             <a:r>
               <a:rPr lang="zh-CN" altLang="en-US" sz="2400" dirty="0"/>
-              <a:t>百度</a:t>
+              <a:t>度</a:t>
             </a:r>
             <a:r>
               <a:rPr lang="en-US" altLang="zh-CN" sz="2400" dirty="0"/>
@@ -9869,6 +10088,296 @@
           </a:p>
         </p:txBody>
       </p:sp>
+      <p:sp>
+        <p:nvSpPr>
+          <p:cNvPr id="3" name="TextBox 2"/>
+          <p:cNvSpPr txBox="1"/>
+          <p:nvPr/>
+        </p:nvSpPr>
+        <p:spPr>
+          <a:xfrm>
+            <a:off x="708182" y="1778558"/>
+            <a:ext cx="7732433" cy="3416320"/>
+          </a:xfrm>
+          <a:prstGeom prst="rect">
+            <a:avLst/>
+          </a:prstGeom>
+          <a:noFill/>
+        </p:spPr>
+        <p:txBody>
+          <a:bodyPr wrap="square" rtlCol="0">
+            <a:spAutoFit/>
+          </a:bodyPr>
+          <a:lstStyle/>
+          <a:p>
+            <a:pPr marL="285750" indent="-285750">
+              <a:buFont typeface="Wingdings" panose="05000000000000000000" pitchFamily="2" charset="2"/>
+              <a:buChar char="l"/>
+            </a:pPr>
+            <a:r>
+              <a:rPr lang="en-US" altLang="zh-CN" dirty="0" err="1" smtClean="0"/>
+              <a:t>ConvNet</a:t>
+            </a:r>
+            <a:endParaRPr lang="en-US" altLang="zh-CN" dirty="0" smtClean="0"/>
+          </a:p>
+          <a:p>
+            <a:r>
+              <a:rPr lang="en-US" altLang="zh-CN" dirty="0" smtClean="0"/>
+              <a:t>    </a:t>
+            </a:r>
+            <a:r>
+              <a:rPr lang="en-US" altLang="zh-CN" dirty="0" err="1" smtClean="0"/>
+              <a:t>ConvNet</a:t>
+            </a:r>
+            <a:r>
+              <a:rPr lang="zh-CN" altLang="en-US" dirty="0"/>
+              <a:t>是一个基于</a:t>
+            </a:r>
+            <a:r>
+              <a:rPr lang="en-US" altLang="zh-CN" dirty="0"/>
+              <a:t>GPU</a:t>
+            </a:r>
+            <a:r>
+              <a:rPr lang="zh-CN" altLang="en-US" dirty="0"/>
+              <a:t>实现的卷积神经网络开源代码（</a:t>
+            </a:r>
+            <a:r>
+              <a:rPr lang="en-US" altLang="zh-CN" dirty="0"/>
+              <a:t>C++11</a:t>
+            </a:r>
+            <a:r>
+              <a:rPr lang="zh-CN" altLang="en-US" dirty="0"/>
+              <a:t>），</a:t>
+            </a:r>
+            <a:r>
+              <a:rPr lang="zh-CN" altLang="en-US" dirty="0" smtClean="0"/>
+              <a:t>是  </a:t>
+            </a:r>
+            <a:endParaRPr lang="en-US" altLang="zh-CN" dirty="0" smtClean="0"/>
+          </a:p>
+          <a:p>
+            <a:r>
+              <a:rPr lang="en-US" altLang="zh-CN" dirty="0"/>
+              <a:t> </a:t>
+            </a:r>
+            <a:r>
+              <a:rPr lang="en-US" altLang="zh-CN" dirty="0" smtClean="0"/>
+              <a:t>   </a:t>
+            </a:r>
+            <a:r>
+              <a:rPr lang="zh-CN" altLang="en-US" dirty="0" smtClean="0"/>
+              <a:t>由</a:t>
+            </a:r>
+            <a:r>
+              <a:rPr lang="zh-CN" altLang="en-US" dirty="0"/>
+              <a:t>多伦多大学的</a:t>
+            </a:r>
+            <a:r>
+              <a:rPr lang="en-US" altLang="zh-CN" dirty="0"/>
+              <a:t>Geoffrey Hinton</a:t>
+            </a:r>
+            <a:r>
+              <a:rPr lang="zh-CN" altLang="en-US" dirty="0"/>
+              <a:t>深度学习团队编写的，它的最初版本</a:t>
+            </a:r>
+            <a:r>
+              <a:rPr lang="zh-CN" altLang="en-US" dirty="0" smtClean="0"/>
+              <a:t>是</a:t>
+            </a:r>
+            <a:endParaRPr lang="en-US" altLang="zh-CN" dirty="0" smtClean="0"/>
+          </a:p>
+          <a:p>
+            <a:r>
+              <a:rPr lang="en-US" altLang="zh-CN" dirty="0"/>
+              <a:t> </a:t>
+            </a:r>
+            <a:r>
+              <a:rPr lang="en-US" altLang="zh-CN" dirty="0" smtClean="0"/>
+              <a:t>   Hinton</a:t>
+            </a:r>
+            <a:r>
+              <a:rPr lang="zh-CN" altLang="en-US" dirty="0"/>
+              <a:t>的学生</a:t>
+            </a:r>
+            <a:r>
+              <a:rPr lang="en-US" altLang="zh-CN" dirty="0"/>
+              <a:t>Alex </a:t>
+            </a:r>
+            <a:r>
+              <a:rPr lang="en-US" altLang="zh-CN" dirty="0" err="1"/>
+              <a:t>Krizhevsky</a:t>
+            </a:r>
+            <a:r>
+              <a:rPr lang="zh-CN" altLang="en-US" dirty="0"/>
+              <a:t>编写的</a:t>
+            </a:r>
+            <a:r>
+              <a:rPr lang="en-US" altLang="zh-CN" dirty="0" err="1"/>
+              <a:t>cuda-convnet</a:t>
+            </a:r>
+            <a:r>
+              <a:rPr lang="zh-CN" altLang="en-US" dirty="0"/>
+              <a:t>（其项目地址</a:t>
+            </a:r>
+            <a:r>
+              <a:rPr lang="zh-CN" altLang="en-US" dirty="0" smtClean="0"/>
+              <a:t>在 </a:t>
+            </a:r>
+            <a:endParaRPr lang="en-US" altLang="zh-CN" dirty="0" smtClean="0"/>
+          </a:p>
+          <a:p>
+            <a:r>
+              <a:rPr lang="en-US" altLang="zh-CN" dirty="0"/>
+              <a:t> </a:t>
+            </a:r>
+            <a:r>
+              <a:rPr lang="en-US" altLang="zh-CN" dirty="0" smtClean="0"/>
+              <a:t>   </a:t>
+            </a:r>
+            <a:r>
+              <a:rPr lang="en-US" altLang="zh-CN" dirty="0" smtClean="0">
+                <a:hlinkClick r:id="rId2"/>
+              </a:rPr>
+              <a:t>google </a:t>
+            </a:r>
+            <a:r>
+              <a:rPr lang="en-US" altLang="zh-CN" dirty="0">
+                <a:hlinkClick r:id="rId2"/>
+              </a:rPr>
+              <a:t>code</a:t>
+            </a:r>
+            <a:r>
+              <a:rPr lang="zh-CN" altLang="en-US" dirty="0"/>
+              <a:t>上面），最近</a:t>
+            </a:r>
+            <a:r>
+              <a:rPr lang="en-US" altLang="zh-CN" dirty="0" err="1"/>
+              <a:t>cuda-convnet</a:t>
+            </a:r>
+            <a:r>
+              <a:rPr lang="zh-CN" altLang="en-US" dirty="0"/>
+              <a:t>也从</a:t>
+            </a:r>
+            <a:r>
+              <a:rPr lang="en-US" altLang="zh-CN" dirty="0"/>
+              <a:t>1.0</a:t>
+            </a:r>
+            <a:r>
+              <a:rPr lang="zh-CN" altLang="en-US" dirty="0"/>
+              <a:t>版本更新到</a:t>
+            </a:r>
+            <a:r>
+              <a:rPr lang="en-US" altLang="zh-CN" dirty="0"/>
+              <a:t>2.0</a:t>
+            </a:r>
+            <a:r>
+              <a:rPr lang="zh-CN" altLang="en-US" dirty="0"/>
+              <a:t>版本（</a:t>
+            </a:r>
+            <a:r>
+              <a:rPr lang="zh-CN" altLang="en-US" dirty="0" smtClean="0">
+                <a:hlinkClick r:id="rId3"/>
+              </a:rPr>
+              <a:t>地</a:t>
+            </a:r>
+            <a:endParaRPr lang="en-US" altLang="zh-CN" dirty="0" smtClean="0">
+              <a:hlinkClick r:id="rId3"/>
+            </a:endParaRPr>
+          </a:p>
+          <a:p>
+            <a:r>
+              <a:rPr lang="en-US" altLang="zh-CN" dirty="0"/>
+              <a:t> </a:t>
+            </a:r>
+            <a:r>
+              <a:rPr lang="en-US" altLang="zh-CN" dirty="0" smtClean="0"/>
+              <a:t>  </a:t>
+            </a:r>
+            <a:r>
+              <a:rPr lang="zh-CN" altLang="en-US" dirty="0" smtClean="0">
+                <a:hlinkClick r:id="rId3"/>
+              </a:rPr>
+              <a:t>址</a:t>
+            </a:r>
+            <a:r>
+              <a:rPr lang="zh-CN" altLang="en-US" dirty="0"/>
+              <a:t>）</a:t>
+            </a:r>
+            <a:endParaRPr lang="en-US" altLang="zh-CN" dirty="0" smtClean="0"/>
+          </a:p>
+          <a:p>
+            <a:pPr marL="285750" indent="-285750">
+              <a:buFont typeface="Wingdings" panose="05000000000000000000" pitchFamily="2" charset="2"/>
+              <a:buChar char="l"/>
+            </a:pPr>
+            <a:endParaRPr lang="en-US" altLang="zh-CN" dirty="0" smtClean="0"/>
+          </a:p>
+          <a:p>
+            <a:pPr marL="285750" indent="-285750">
+              <a:buFont typeface="Wingdings" panose="05000000000000000000" pitchFamily="2" charset="2"/>
+              <a:buChar char="l"/>
+            </a:pPr>
+            <a:endParaRPr lang="en-US" altLang="zh-CN" dirty="0"/>
+          </a:p>
+          <a:p>
+            <a:pPr marL="285750" indent="-285750">
+              <a:buFont typeface="Wingdings" panose="05000000000000000000" pitchFamily="2" charset="2"/>
+              <a:buChar char="l"/>
+            </a:pPr>
+            <a:r>
+              <a:rPr lang="zh-CN" altLang="en-US" dirty="0" smtClean="0"/>
+              <a:t>难点</a:t>
+            </a:r>
+            <a:endParaRPr lang="en-US" altLang="zh-CN" dirty="0" smtClean="0"/>
+          </a:p>
+          <a:p>
+            <a:r>
+              <a:rPr lang="en-US" altLang="zh-CN" dirty="0"/>
+              <a:t> </a:t>
+            </a:r>
+            <a:r>
+              <a:rPr lang="en-US" altLang="zh-CN" dirty="0" smtClean="0"/>
+              <a:t>   </a:t>
+            </a:r>
+            <a:r>
+              <a:rPr lang="zh-CN" altLang="en-US" dirty="0" smtClean="0"/>
+              <a:t>柔性物体的边缘探测，比如姿势，表情</a:t>
+            </a:r>
+            <a:endParaRPr lang="en-US" altLang="zh-CN" dirty="0" smtClean="0"/>
+          </a:p>
+          <a:p>
+            <a:r>
+              <a:rPr lang="en-US" altLang="zh-CN" dirty="0" smtClean="0"/>
+              <a:t>    </a:t>
+            </a:r>
+            <a:r>
+              <a:rPr lang="en-US" altLang="zh-CN" dirty="0" smtClean="0">
+                <a:hlinkClick r:id="rId4"/>
+              </a:rPr>
+              <a:t>http</a:t>
+            </a:r>
+            <a:r>
+              <a:rPr lang="en-US" altLang="zh-CN" dirty="0">
+                <a:hlinkClick r:id="rId4"/>
+              </a:rPr>
+              <a:t>://human-pose.mpi-inf.mpg.de/#</a:t>
+            </a:r>
+            <a:r>
+              <a:rPr lang="en-US" altLang="zh-CN" dirty="0" smtClean="0">
+                <a:hlinkClick r:id="rId4"/>
+              </a:rPr>
+              <a:t>overview</a:t>
+            </a:r>
+            <a:r>
+              <a:rPr lang="en-US" altLang="zh-CN" dirty="0" smtClean="0"/>
+              <a:t> </a:t>
+            </a:r>
+          </a:p>
+          <a:p>
+            <a:endParaRPr lang="zh-CN" altLang="en-US" dirty="0"/>
+          </a:p>
+        </p:txBody>
+      </p:sp>
     </p:spTree>
     <p:extLst>
       <p:ext uri="{BB962C8B-B14F-4D97-AF65-F5344CB8AC3E}">
@@ -9886,6 +10395,376 @@
 </file>
 
 <file path=ppt/slides/slide13.xml><?xml version="1.0" encoding="utf-8"?>
+<p:sld xmlns:a="http://schemas.openxmlformats.org/drawingml/2006/main" xmlns:r="http://schemas.openxmlformats.org/officeDocument/2006/relationships" xmlns:p="http://schemas.openxmlformats.org/presentationml/2006/main">
+  <p:cSld>
+    <p:spTree>
+      <p:nvGrpSpPr>
+        <p:cNvPr id="1" name=""/>
+        <p:cNvGrpSpPr/>
+        <p:nvPr/>
+      </p:nvGrpSpPr>
+      <p:grpSpPr>
+        <a:xfrm>
+          <a:off x="0" y="0"/>
+          <a:ext cx="0" cy="0"/>
+          <a:chOff x="0" y="0"/>
+          <a:chExt cx="0" cy="0"/>
+        </a:xfrm>
+      </p:grpSpPr>
+      <p:sp>
+        <p:nvSpPr>
+          <p:cNvPr id="10" name="文本框 9"/>
+          <p:cNvSpPr txBox="1"/>
+          <p:nvPr/>
+        </p:nvSpPr>
+        <p:spPr>
+          <a:xfrm>
+            <a:off x="708182" y="595465"/>
+            <a:ext cx="418704" cy="646331"/>
+          </a:xfrm>
+          <a:prstGeom prst="rect">
+            <a:avLst/>
+          </a:prstGeom>
+          <a:noFill/>
+        </p:spPr>
+        <p:txBody>
+          <a:bodyPr wrap="none" rtlCol="0">
+            <a:spAutoFit/>
+          </a:bodyPr>
+          <a:lstStyle/>
+          <a:p>
+            <a:pPr algn="ctr"/>
+            <a:fld id="{E343E591-7A80-4183-A652-B57385720CD6}" type="slidenum">
+              <a:rPr kumimoji="1" lang="en-US" altLang="zh-CN" sz="3600" smtClean="0">
+                <a:solidFill>
+                  <a:schemeClr val="bg1"/>
+                </a:solidFill>
+                <a:latin typeface="Microsoft YaHei Bold"/>
+                <a:ea typeface="+mj-ea"/>
+                <a:cs typeface="Microsoft YaHei Bold"/>
+              </a:rPr>
+              <a:t>13</a:t>
+            </a:fld>
+            <a:endParaRPr kumimoji="1" lang="zh-CN" altLang="en-US" sz="3600" dirty="0">
+              <a:solidFill>
+                <a:schemeClr val="bg1"/>
+              </a:solidFill>
+              <a:latin typeface="Microsoft YaHei Bold"/>
+              <a:ea typeface="+mj-ea"/>
+              <a:cs typeface="Microsoft YaHei Bold"/>
+            </a:endParaRPr>
+          </a:p>
+        </p:txBody>
+      </p:sp>
+      <p:sp>
+        <p:nvSpPr>
+          <p:cNvPr id="11" name="文本框 10"/>
+          <p:cNvSpPr txBox="1"/>
+          <p:nvPr/>
+        </p:nvSpPr>
+        <p:spPr>
+          <a:xfrm>
+            <a:off x="1500833" y="628811"/>
+            <a:ext cx="2646878" cy="584775"/>
+          </a:xfrm>
+          <a:prstGeom prst="rect">
+            <a:avLst/>
+          </a:prstGeom>
+          <a:noFill/>
+        </p:spPr>
+        <p:txBody>
+          <a:bodyPr wrap="none" rtlCol="0">
+            <a:spAutoFit/>
+          </a:bodyPr>
+          <a:lstStyle/>
+          <a:p>
+            <a:r>
+              <a:rPr kumimoji="1" lang="zh-CN" altLang="en-US" sz="3200" b="1" dirty="0">
+                <a:solidFill>
+                  <a:srgbClr val="3369F8"/>
+                </a:solidFill>
+                <a:latin typeface="+mj-ea"/>
+                <a:ea typeface="+mj-ea"/>
+              </a:rPr>
+              <a:t>仿</a:t>
+            </a:r>
+            <a:r>
+              <a:rPr kumimoji="1" lang="zh-CN" altLang="en-US" sz="3200" b="1" dirty="0" smtClean="0">
+                <a:solidFill>
+                  <a:srgbClr val="3369F8"/>
+                </a:solidFill>
+                <a:latin typeface="+mj-ea"/>
+                <a:ea typeface="+mj-ea"/>
+              </a:rPr>
+              <a:t>真课程接入</a:t>
+            </a:r>
+            <a:endParaRPr kumimoji="1" lang="zh-CN" altLang="en-US" sz="3200" b="1" dirty="0">
+              <a:solidFill>
+                <a:srgbClr val="3369F8"/>
+              </a:solidFill>
+              <a:latin typeface="+mj-ea"/>
+              <a:ea typeface="+mj-ea"/>
+            </a:endParaRPr>
+          </a:p>
+        </p:txBody>
+      </p:sp>
+      <p:sp>
+        <p:nvSpPr>
+          <p:cNvPr id="2" name="TextBox 1"/>
+          <p:cNvSpPr txBox="1"/>
+          <p:nvPr/>
+        </p:nvSpPr>
+        <p:spPr>
+          <a:xfrm>
+            <a:off x="708182" y="1768510"/>
+            <a:ext cx="7802772" cy="1938992"/>
+          </a:xfrm>
+          <a:prstGeom prst="rect">
+            <a:avLst/>
+          </a:prstGeom>
+          <a:noFill/>
+        </p:spPr>
+        <p:txBody>
+          <a:bodyPr wrap="square" rtlCol="0">
+            <a:spAutoFit/>
+          </a:bodyPr>
+          <a:lstStyle/>
+          <a:p>
+            <a:pPr marL="285750" indent="-285750">
+              <a:buFont typeface="Wingdings" panose="05000000000000000000" pitchFamily="2" charset="2"/>
+              <a:buChar char="l"/>
+            </a:pPr>
+            <a:r>
+              <a:rPr lang="en-US" altLang="zh-CN" sz="2400" dirty="0" err="1" smtClean="0"/>
+              <a:t>SimiGon</a:t>
+            </a:r>
+            <a:endParaRPr lang="en-US" altLang="zh-CN" sz="2400" dirty="0" smtClean="0"/>
+          </a:p>
+          <a:p>
+            <a:pPr marL="742950" lvl="1" indent="-285750">
+              <a:buFont typeface="Wingdings" panose="05000000000000000000" pitchFamily="2" charset="2"/>
+              <a:buChar char="Ø"/>
+            </a:pPr>
+            <a:r>
+              <a:rPr lang="zh-CN" altLang="en-US" sz="2400" dirty="0" smtClean="0"/>
+              <a:t>伦敦上市的以色列公司</a:t>
+            </a:r>
+            <a:endParaRPr lang="en-US" altLang="zh-CN" sz="2400" dirty="0" smtClean="0"/>
+          </a:p>
+          <a:p>
+            <a:pPr marL="742950" lvl="1" indent="-285750">
+              <a:buFont typeface="Wingdings" panose="05000000000000000000" pitchFamily="2" charset="2"/>
+              <a:buChar char="Ø"/>
+            </a:pPr>
+            <a:r>
+              <a:rPr lang="zh-CN" altLang="en-US" sz="2400" dirty="0" smtClean="0"/>
+              <a:t>主要从事飞行模拟器的开发</a:t>
+            </a:r>
+            <a:endParaRPr lang="en-US" altLang="zh-CN" sz="2400" dirty="0" smtClean="0"/>
+          </a:p>
+          <a:p>
+            <a:pPr lvl="1"/>
+            <a:r>
+              <a:rPr lang="en-US" altLang="zh-CN" sz="2400" dirty="0"/>
+              <a:t> </a:t>
+            </a:r>
+            <a:r>
+              <a:rPr lang="en-US" altLang="zh-CN" sz="2400" dirty="0" smtClean="0"/>
+              <a:t>  </a:t>
+            </a:r>
+            <a:r>
+              <a:rPr lang="zh-CN" altLang="en-US" sz="2400" dirty="0" smtClean="0"/>
+              <a:t>比如</a:t>
+            </a:r>
+            <a:r>
+              <a:rPr lang="en-US" altLang="zh-CN" sz="2400" dirty="0" smtClean="0"/>
+              <a:t>F-16,F22</a:t>
+            </a:r>
+          </a:p>
+          <a:p>
+            <a:pPr marL="742950" lvl="1" indent="-285750">
+              <a:buFont typeface="Wingdings" panose="05000000000000000000" pitchFamily="2" charset="2"/>
+              <a:buChar char="Ø"/>
+            </a:pPr>
+            <a:r>
+              <a:rPr lang="en-US" altLang="zh-CN" sz="2400" dirty="0" err="1"/>
+              <a:t>KnowBook</a:t>
+            </a:r>
+            <a:endParaRPr lang="en-US" altLang="zh-CN" sz="2400" dirty="0"/>
+          </a:p>
+        </p:txBody>
+      </p:sp>
+      <p:pic>
+        <p:nvPicPr>
+          <p:cNvPr id="3074" name="Picture 2"/>
+          <p:cNvPicPr>
+            <a:picLocks noChangeAspect="1" noChangeArrowheads="1"/>
+          </p:cNvPicPr>
+          <p:nvPr/>
+        </p:nvPicPr>
+        <p:blipFill>
+          <a:blip r:embed="rId2">
+            <a:extLst>
+              <a:ext uri="{28A0092B-C50C-407E-A947-70E740481C1C}">
+                <a14:useLocalDpi xmlns:a14="http://schemas.microsoft.com/office/drawing/2010/main" val="0"/>
+              </a:ext>
+            </a:extLst>
+          </a:blip>
+          <a:srcRect/>
+          <a:stretch>
+            <a:fillRect/>
+          </a:stretch>
+        </p:blipFill>
+        <p:spPr bwMode="auto">
+          <a:xfrm>
+            <a:off x="6147358" y="1421879"/>
+            <a:ext cx="2233613" cy="1431925"/>
+          </a:xfrm>
+          <a:prstGeom prst="rect">
+            <a:avLst/>
+          </a:prstGeom>
+          <a:noFill/>
+          <a:ln>
+            <a:noFill/>
+          </a:ln>
+          <a:extLst>
+            <a:ext uri="{909E8E84-426E-40DD-AFC4-6F175D3DCCD1}">
+              <a14:hiddenFill xmlns:a14="http://schemas.microsoft.com/office/drawing/2010/main">
+                <a:solidFill>
+                  <a:schemeClr val="accent1"/>
+                </a:solidFill>
+              </a14:hiddenFill>
+            </a:ext>
+            <a:ext uri="{91240B29-F687-4F45-9708-019B960494DF}">
+              <a14:hiddenLine xmlns:a14="http://schemas.microsoft.com/office/drawing/2010/main" w="9525">
+                <a:solidFill>
+                  <a:schemeClr val="tx1"/>
+                </a:solidFill>
+                <a:miter lim="800000"/>
+                <a:headEnd/>
+                <a:tailEnd/>
+              </a14:hiddenLine>
+            </a:ext>
+          </a:extLst>
+        </p:spPr>
+      </p:pic>
+      <p:sp>
+        <p:nvSpPr>
+          <p:cNvPr id="4" name="TextBox 3"/>
+          <p:cNvSpPr txBox="1"/>
+          <p:nvPr/>
+        </p:nvSpPr>
+        <p:spPr>
+          <a:xfrm>
+            <a:off x="708182" y="4009272"/>
+            <a:ext cx="7672789" cy="2492990"/>
+          </a:xfrm>
+          <a:prstGeom prst="rect">
+            <a:avLst/>
+          </a:prstGeom>
+          <a:noFill/>
+        </p:spPr>
+        <p:txBody>
+          <a:bodyPr wrap="square" rtlCol="0">
+            <a:spAutoFit/>
+          </a:bodyPr>
+          <a:lstStyle/>
+          <a:p>
+            <a:pPr marL="285750" indent="-285750">
+              <a:buFont typeface="Wingdings" panose="05000000000000000000" pitchFamily="2" charset="2"/>
+              <a:buChar char="l"/>
+            </a:pPr>
+            <a:r>
+              <a:rPr lang="zh-CN" altLang="en-US" sz="2400" dirty="0" smtClean="0"/>
+              <a:t>拟合作的课程</a:t>
+            </a:r>
+            <a:endParaRPr lang="en-US" altLang="zh-CN" sz="2400" dirty="0" smtClean="0"/>
+          </a:p>
+          <a:p>
+            <a:pPr marL="742950" lvl="1" indent="-285750">
+              <a:buFont typeface="Wingdings" panose="05000000000000000000" pitchFamily="2" charset="2"/>
+              <a:buChar char="Ø"/>
+            </a:pPr>
+            <a:r>
+              <a:rPr lang="zh-CN" altLang="en-US" sz="2400" dirty="0" smtClean="0"/>
+              <a:t>消防培训课程</a:t>
+            </a:r>
+            <a:endParaRPr lang="en-US" altLang="zh-CN" sz="2400" dirty="0" smtClean="0"/>
+          </a:p>
+          <a:p>
+            <a:pPr marL="742950" lvl="1" indent="-285750">
+              <a:buFont typeface="Wingdings" panose="05000000000000000000" pitchFamily="2" charset="2"/>
+              <a:buChar char="Ø"/>
+            </a:pPr>
+            <a:r>
+              <a:rPr lang="zh-CN" altLang="en-US" sz="2400" dirty="0" smtClean="0"/>
+              <a:t>大学生安全</a:t>
+            </a:r>
+            <a:endParaRPr lang="en-US" altLang="zh-CN" sz="2400" dirty="0" smtClean="0"/>
+          </a:p>
+          <a:p>
+            <a:pPr marL="742950" lvl="1" indent="-285750">
+              <a:buFont typeface="Wingdings" panose="05000000000000000000" pitchFamily="2" charset="2"/>
+              <a:buChar char="Ø"/>
+            </a:pPr>
+            <a:r>
+              <a:rPr lang="zh-CN" altLang="en-US" sz="2400" dirty="0"/>
+              <a:t>石</a:t>
+            </a:r>
+            <a:r>
+              <a:rPr lang="zh-CN" altLang="en-US" sz="2400" dirty="0" smtClean="0"/>
+              <a:t>油大学钻井平台</a:t>
+            </a:r>
+            <a:endParaRPr lang="en-US" altLang="zh-CN" sz="2400" dirty="0" smtClean="0"/>
+          </a:p>
+          <a:p>
+            <a:pPr marL="742950" lvl="1" indent="-285750">
+              <a:buFont typeface="Wingdings" panose="05000000000000000000" pitchFamily="2" charset="2"/>
+              <a:buChar char="Ø"/>
+            </a:pPr>
+            <a:r>
+              <a:rPr lang="zh-CN" altLang="en-US" sz="2400" dirty="0"/>
+              <a:t>民</a:t>
+            </a:r>
+            <a:r>
+              <a:rPr lang="zh-CN" altLang="en-US" sz="2400" dirty="0" smtClean="0"/>
+              <a:t>航学院培训</a:t>
+            </a:r>
+            <a:endParaRPr lang="en-US" altLang="zh-CN" sz="2400" dirty="0"/>
+          </a:p>
+          <a:p>
+            <a:pPr marL="285750" indent="-285750">
+              <a:buFont typeface="Wingdings" panose="05000000000000000000" pitchFamily="2" charset="2"/>
+              <a:buChar char="l"/>
+            </a:pPr>
+            <a:endParaRPr lang="en-US" altLang="zh-CN" dirty="0" smtClean="0"/>
+          </a:p>
+          <a:p>
+            <a:pPr marL="285750" indent="-285750">
+              <a:buFont typeface="Wingdings" panose="05000000000000000000" pitchFamily="2" charset="2"/>
+              <a:buChar char="l"/>
+            </a:pPr>
+            <a:endParaRPr lang="zh-CN" altLang="en-US" dirty="0"/>
+          </a:p>
+        </p:txBody>
+      </p:sp>
+    </p:spTree>
+    <p:extLst>
+      <p:ext uri="{BB962C8B-B14F-4D97-AF65-F5344CB8AC3E}">
+        <p14:creationId xmlns:p14="http://schemas.microsoft.com/office/powerpoint/2010/main" val="1867554418"/>
+      </p:ext>
+    </p:extLst>
+  </p:cSld>
+  <p:clrMapOvr>
+    <a:masterClrMapping/>
+  </p:clrMapOvr>
+  <p:transition>
+    <p:fade/>
+  </p:transition>
+</p:sld>
+</file>
+
+<file path=ppt/slides/slide14.xml><?xml version="1.0" encoding="utf-8"?>
 <p:sld xmlns:a="http://schemas.openxmlformats.org/drawingml/2006/main" xmlns:r="http://schemas.openxmlformats.org/officeDocument/2006/relationships" xmlns:p="http://schemas.openxmlformats.org/presentationml/2006/main">
   <p:cSld>
     <p:spTree>
@@ -10059,6 +10938,1607 @@
     <p:extLst>
       <p:ext uri="{BB962C8B-B14F-4D97-AF65-F5344CB8AC3E}">
         <p14:creationId xmlns:p14="http://schemas.microsoft.com/office/powerpoint/2010/main" val="3728695643"/>
+      </p:ext>
+    </p:extLst>
+  </p:cSld>
+  <p:clrMapOvr>
+    <a:masterClrMapping/>
+  </p:clrMapOvr>
+  <p:transition>
+    <p:fade/>
+  </p:transition>
+</p:sld>
+</file>
+
+<file path=ppt/slides/slide15.xml><?xml version="1.0" encoding="utf-8"?>
+<p:sld xmlns:a="http://schemas.openxmlformats.org/drawingml/2006/main" xmlns:r="http://schemas.openxmlformats.org/officeDocument/2006/relationships" xmlns:p="http://schemas.openxmlformats.org/presentationml/2006/main">
+  <p:cSld>
+    <p:spTree>
+      <p:nvGrpSpPr>
+        <p:cNvPr id="1" name=""/>
+        <p:cNvGrpSpPr/>
+        <p:nvPr/>
+      </p:nvGrpSpPr>
+      <p:grpSpPr>
+        <a:xfrm>
+          <a:off x="0" y="0"/>
+          <a:ext cx="0" cy="0"/>
+          <a:chOff x="0" y="0"/>
+          <a:chExt cx="0" cy="0"/>
+        </a:xfrm>
+      </p:grpSpPr>
+      <p:sp>
+        <p:nvSpPr>
+          <p:cNvPr id="10" name="文本框 9"/>
+          <p:cNvSpPr txBox="1"/>
+          <p:nvPr/>
+        </p:nvSpPr>
+        <p:spPr>
+          <a:xfrm>
+            <a:off x="708182" y="595465"/>
+            <a:ext cx="418704" cy="646331"/>
+          </a:xfrm>
+          <a:prstGeom prst="rect">
+            <a:avLst/>
+          </a:prstGeom>
+          <a:noFill/>
+        </p:spPr>
+        <p:txBody>
+          <a:bodyPr wrap="none" rtlCol="0">
+            <a:spAutoFit/>
+          </a:bodyPr>
+          <a:lstStyle/>
+          <a:p>
+            <a:pPr algn="ctr"/>
+            <a:fld id="{E343E591-7A80-4183-A652-B57385720CD6}" type="slidenum">
+              <a:rPr kumimoji="1" lang="en-US" altLang="zh-CN" sz="3600" smtClean="0">
+                <a:solidFill>
+                  <a:schemeClr val="bg1"/>
+                </a:solidFill>
+                <a:latin typeface="Microsoft YaHei Bold"/>
+                <a:ea typeface="+mj-ea"/>
+                <a:cs typeface="Microsoft YaHei Bold"/>
+              </a:rPr>
+              <a:t>15</a:t>
+            </a:fld>
+            <a:endParaRPr kumimoji="1" lang="zh-CN" altLang="en-US" sz="3600" dirty="0">
+              <a:solidFill>
+                <a:schemeClr val="bg1"/>
+              </a:solidFill>
+              <a:latin typeface="Microsoft YaHei Bold"/>
+              <a:ea typeface="+mj-ea"/>
+              <a:cs typeface="Microsoft YaHei Bold"/>
+            </a:endParaRPr>
+          </a:p>
+        </p:txBody>
+      </p:sp>
+      <p:sp>
+        <p:nvSpPr>
+          <p:cNvPr id="11" name="文本框 10"/>
+          <p:cNvSpPr txBox="1"/>
+          <p:nvPr/>
+        </p:nvSpPr>
+        <p:spPr>
+          <a:xfrm>
+            <a:off x="1500833" y="628811"/>
+            <a:ext cx="1005403" cy="584775"/>
+          </a:xfrm>
+          <a:prstGeom prst="rect">
+            <a:avLst/>
+          </a:prstGeom>
+          <a:noFill/>
+        </p:spPr>
+        <p:txBody>
+          <a:bodyPr wrap="none" rtlCol="0">
+            <a:spAutoFit/>
+          </a:bodyPr>
+          <a:lstStyle/>
+          <a:p>
+            <a:r>
+              <a:rPr kumimoji="1" lang="zh-CN" altLang="en-US" sz="3200" b="1" dirty="0">
+                <a:solidFill>
+                  <a:srgbClr val="3369F8"/>
+                </a:solidFill>
+                <a:latin typeface="+mj-ea"/>
+                <a:ea typeface="+mj-ea"/>
+              </a:rPr>
+              <a:t>术语</a:t>
+            </a:r>
+            <a:endParaRPr kumimoji="1" lang="zh-CN" altLang="en-US" sz="3200" b="1" dirty="0">
+              <a:solidFill>
+                <a:srgbClr val="3369F8"/>
+              </a:solidFill>
+              <a:latin typeface="+mj-ea"/>
+              <a:ea typeface="+mj-ea"/>
+            </a:endParaRPr>
+          </a:p>
+        </p:txBody>
+      </p:sp>
+      <p:sp>
+        <p:nvSpPr>
+          <p:cNvPr id="3" name="TextBox 2"/>
+          <p:cNvSpPr txBox="1"/>
+          <p:nvPr/>
+        </p:nvSpPr>
+        <p:spPr>
+          <a:xfrm>
+            <a:off x="708182" y="1778558"/>
+            <a:ext cx="7732433" cy="4247317"/>
+          </a:xfrm>
+          <a:prstGeom prst="rect">
+            <a:avLst/>
+          </a:prstGeom>
+          <a:noFill/>
+        </p:spPr>
+        <p:txBody>
+          <a:bodyPr wrap="square" rtlCol="0">
+            <a:spAutoFit/>
+          </a:bodyPr>
+          <a:lstStyle/>
+          <a:p>
+            <a:pPr marL="285750" indent="-285750">
+              <a:buFont typeface="Wingdings" panose="05000000000000000000" pitchFamily="2" charset="2"/>
+              <a:buChar char="l"/>
+            </a:pPr>
+            <a:endParaRPr lang="en-US" altLang="zh-CN" dirty="0" smtClean="0"/>
+          </a:p>
+          <a:p>
+            <a:r>
+              <a:rPr lang="en-US" altLang="zh-CN" dirty="0"/>
+              <a:t>LSTM   </a:t>
+            </a:r>
+            <a:r>
+              <a:rPr lang="en-US" altLang="zh-CN" dirty="0">
+                <a:hlinkClick r:id="rId2"/>
+              </a:rPr>
+              <a:t>https://machinelearningmastery.com/time-series-forecasting-long-short-term-memory-network-python</a:t>
+            </a:r>
+            <a:r>
+              <a:rPr lang="en-US" altLang="zh-CN" dirty="0" smtClean="0">
+                <a:hlinkClick r:id="rId2"/>
+              </a:rPr>
+              <a:t>/</a:t>
+            </a:r>
+            <a:endParaRPr lang="en-US" altLang="zh-CN" dirty="0" smtClean="0"/>
+          </a:p>
+          <a:p>
+            <a:endParaRPr lang="en-US" altLang="zh-CN" dirty="0" smtClean="0"/>
+          </a:p>
+          <a:p>
+            <a:r>
+              <a:rPr lang="en-US" altLang="zh-CN" dirty="0" smtClean="0"/>
+              <a:t>KDD </a:t>
+            </a:r>
+            <a:r>
+              <a:rPr lang="en-US" altLang="zh-CN" dirty="0" smtClean="0">
+                <a:hlinkClick r:id="rId3"/>
+              </a:rPr>
+              <a:t>http</a:t>
+            </a:r>
+            <a:r>
+              <a:rPr lang="en-US" altLang="zh-CN" dirty="0">
+                <a:hlinkClick r:id="rId3"/>
+              </a:rPr>
+              <a:t>://</a:t>
+            </a:r>
+            <a:r>
+              <a:rPr lang="en-US" altLang="zh-CN" dirty="0" smtClean="0">
+                <a:hlinkClick r:id="rId3"/>
+              </a:rPr>
+              <a:t>www.kdd.org/kdd-cup/view/kdd-cup-2010-student-performance-evaluation/Data</a:t>
+            </a:r>
+            <a:r>
+              <a:rPr lang="en-US" altLang="zh-CN" dirty="0" smtClean="0"/>
+              <a:t> </a:t>
+            </a:r>
+          </a:p>
+          <a:p>
+            <a:r>
+              <a:rPr lang="en-US" altLang="zh-CN" dirty="0">
+                <a:hlinkClick r:id="rId4"/>
+              </a:rPr>
+              <a:t>http://</a:t>
+            </a:r>
+            <a:r>
+              <a:rPr lang="en-US" altLang="zh-CN" dirty="0" smtClean="0">
+                <a:hlinkClick r:id="rId4"/>
+              </a:rPr>
+              <a:t>www.efimov-ml.com/index.html</a:t>
+            </a:r>
+            <a:endParaRPr lang="en-US" altLang="zh-CN" dirty="0" smtClean="0"/>
+          </a:p>
+          <a:p>
+            <a:endParaRPr lang="en-US" altLang="zh-CN" dirty="0"/>
+          </a:p>
+          <a:p>
+            <a:r>
+              <a:rPr lang="en-US" altLang="zh-CN" dirty="0"/>
+              <a:t>Collections </a:t>
+            </a:r>
+            <a:r>
+              <a:rPr lang="en-US" altLang="zh-CN" dirty="0">
+                <a:hlinkClick r:id="rId5"/>
+              </a:rPr>
+              <a:t>https://</a:t>
+            </a:r>
+            <a:r>
+              <a:rPr lang="en-US" altLang="zh-CN" dirty="0" smtClean="0">
+                <a:hlinkClick r:id="rId5"/>
+              </a:rPr>
+              <a:t>github.com/lipiji/App-DL</a:t>
+            </a:r>
+            <a:r>
+              <a:rPr lang="en-US" altLang="zh-CN" dirty="0" smtClean="0"/>
+              <a:t> </a:t>
+            </a:r>
+          </a:p>
+          <a:p>
+            <a:r>
+              <a:rPr lang="en-US" altLang="zh-CN" dirty="0">
+                <a:hlinkClick r:id="rId6"/>
+              </a:rPr>
+              <a:t>https://</a:t>
+            </a:r>
+            <a:r>
+              <a:rPr lang="en-US" altLang="zh-CN" dirty="0" smtClean="0">
+                <a:hlinkClick r:id="rId6"/>
+              </a:rPr>
+              <a:t>github.com/endymecy/awesome-deeplearning-resources#awesome-projects</a:t>
+            </a:r>
+            <a:endParaRPr lang="en-US" altLang="zh-CN" dirty="0" smtClean="0"/>
+          </a:p>
+          <a:p>
+            <a:endParaRPr lang="en-US" altLang="zh-CN" dirty="0"/>
+          </a:p>
+          <a:p>
+            <a:r>
+              <a:rPr lang="en-US" altLang="zh-CN" dirty="0" smtClean="0"/>
+              <a:t>Python </a:t>
+            </a:r>
+            <a:r>
+              <a:rPr lang="en-US" altLang="zh-CN" dirty="0" err="1" smtClean="0"/>
+              <a:t>Scikit</a:t>
+            </a:r>
+            <a:r>
+              <a:rPr lang="en-US" altLang="zh-CN" dirty="0"/>
+              <a:t> </a:t>
+            </a:r>
+            <a:r>
+              <a:rPr lang="en-US" altLang="zh-CN" dirty="0">
+                <a:hlinkClick r:id="rId7"/>
+              </a:rPr>
+              <a:t>https://</a:t>
+            </a:r>
+            <a:r>
+              <a:rPr lang="en-US" altLang="zh-CN" dirty="0" smtClean="0">
+                <a:hlinkClick r:id="rId7"/>
+              </a:rPr>
+              <a:t>www.datacamp.com/community/tutorials/machine-learning-python#gs.AKGjzvI</a:t>
+            </a:r>
+            <a:r>
+              <a:rPr lang="en-US" altLang="zh-CN" dirty="0" smtClean="0"/>
+              <a:t> </a:t>
+            </a:r>
+          </a:p>
+          <a:p>
+            <a:endParaRPr lang="en-US" altLang="zh-CN" dirty="0"/>
+          </a:p>
+        </p:txBody>
+      </p:sp>
+    </p:spTree>
+    <p:extLst>
+      <p:ext uri="{BB962C8B-B14F-4D97-AF65-F5344CB8AC3E}">
+        <p14:creationId xmlns:p14="http://schemas.microsoft.com/office/powerpoint/2010/main" val="3566030245"/>
+      </p:ext>
+    </p:extLst>
+  </p:cSld>
+  <p:clrMapOvr>
+    <a:masterClrMapping/>
+  </p:clrMapOvr>
+  <p:transition>
+    <p:fade/>
+  </p:transition>
+</p:sld>
+</file>
+
+<file path=ppt/slides/slide16.xml><?xml version="1.0" encoding="utf-8"?>
+<p:sld xmlns:a="http://schemas.openxmlformats.org/drawingml/2006/main" xmlns:r="http://schemas.openxmlformats.org/officeDocument/2006/relationships" xmlns:p="http://schemas.openxmlformats.org/presentationml/2006/main">
+  <p:cSld>
+    <p:spTree>
+      <p:nvGrpSpPr>
+        <p:cNvPr id="1" name=""/>
+        <p:cNvGrpSpPr/>
+        <p:nvPr/>
+      </p:nvGrpSpPr>
+      <p:grpSpPr>
+        <a:xfrm>
+          <a:off x="0" y="0"/>
+          <a:ext cx="0" cy="0"/>
+          <a:chOff x="0" y="0"/>
+          <a:chExt cx="0" cy="0"/>
+        </a:xfrm>
+      </p:grpSpPr>
+      <p:sp>
+        <p:nvSpPr>
+          <p:cNvPr id="10" name="文本框 9"/>
+          <p:cNvSpPr txBox="1"/>
+          <p:nvPr/>
+        </p:nvSpPr>
+        <p:spPr>
+          <a:xfrm>
+            <a:off x="708182" y="595465"/>
+            <a:ext cx="418704" cy="646331"/>
+          </a:xfrm>
+          <a:prstGeom prst="rect">
+            <a:avLst/>
+          </a:prstGeom>
+          <a:noFill/>
+        </p:spPr>
+        <p:txBody>
+          <a:bodyPr wrap="none" rtlCol="0">
+            <a:spAutoFit/>
+          </a:bodyPr>
+          <a:lstStyle/>
+          <a:p>
+            <a:pPr algn="ctr"/>
+            <a:fld id="{E343E591-7A80-4183-A652-B57385720CD6}" type="slidenum">
+              <a:rPr kumimoji="1" lang="en-US" altLang="zh-CN" sz="3600" smtClean="0">
+                <a:solidFill>
+                  <a:schemeClr val="bg1"/>
+                </a:solidFill>
+                <a:latin typeface="Microsoft YaHei Bold"/>
+                <a:ea typeface="+mj-ea"/>
+                <a:cs typeface="Microsoft YaHei Bold"/>
+              </a:rPr>
+              <a:t>16</a:t>
+            </a:fld>
+            <a:endParaRPr kumimoji="1" lang="zh-CN" altLang="en-US" sz="3600" dirty="0">
+              <a:solidFill>
+                <a:schemeClr val="bg1"/>
+              </a:solidFill>
+              <a:latin typeface="Microsoft YaHei Bold"/>
+              <a:ea typeface="+mj-ea"/>
+              <a:cs typeface="Microsoft YaHei Bold"/>
+            </a:endParaRPr>
+          </a:p>
+        </p:txBody>
+      </p:sp>
+      <p:sp>
+        <p:nvSpPr>
+          <p:cNvPr id="11" name="文本框 10"/>
+          <p:cNvSpPr txBox="1"/>
+          <p:nvPr/>
+        </p:nvSpPr>
+        <p:spPr>
+          <a:xfrm>
+            <a:off x="1500833" y="628811"/>
+            <a:ext cx="1005403" cy="584775"/>
+          </a:xfrm>
+          <a:prstGeom prst="rect">
+            <a:avLst/>
+          </a:prstGeom>
+          <a:noFill/>
+        </p:spPr>
+        <p:txBody>
+          <a:bodyPr wrap="none" rtlCol="0">
+            <a:spAutoFit/>
+          </a:bodyPr>
+          <a:lstStyle/>
+          <a:p>
+            <a:r>
+              <a:rPr kumimoji="1" lang="zh-CN" altLang="en-US" sz="3200" b="1" dirty="0">
+                <a:solidFill>
+                  <a:srgbClr val="3369F8"/>
+                </a:solidFill>
+                <a:latin typeface="+mj-ea"/>
+                <a:ea typeface="+mj-ea"/>
+              </a:rPr>
+              <a:t>术语</a:t>
+            </a:r>
+            <a:endParaRPr kumimoji="1" lang="zh-CN" altLang="en-US" sz="3200" b="1" dirty="0">
+              <a:solidFill>
+                <a:srgbClr val="3369F8"/>
+              </a:solidFill>
+              <a:latin typeface="+mj-ea"/>
+              <a:ea typeface="+mj-ea"/>
+            </a:endParaRPr>
+          </a:p>
+        </p:txBody>
+      </p:sp>
+      <p:sp>
+        <p:nvSpPr>
+          <p:cNvPr id="3" name="TextBox 2"/>
+          <p:cNvSpPr txBox="1"/>
+          <p:nvPr/>
+        </p:nvSpPr>
+        <p:spPr>
+          <a:xfrm>
+            <a:off x="708182" y="1778558"/>
+            <a:ext cx="7732433" cy="4247317"/>
+          </a:xfrm>
+          <a:prstGeom prst="rect">
+            <a:avLst/>
+          </a:prstGeom>
+          <a:noFill/>
+        </p:spPr>
+        <p:txBody>
+          <a:bodyPr wrap="square" rtlCol="0">
+            <a:spAutoFit/>
+          </a:bodyPr>
+          <a:lstStyle/>
+          <a:p>
+            <a:pPr marL="285750" indent="-285750">
+              <a:buFont typeface="Wingdings" panose="05000000000000000000" pitchFamily="2" charset="2"/>
+              <a:buChar char="l"/>
+            </a:pPr>
+            <a:endParaRPr lang="en-US" altLang="zh-CN" dirty="0" smtClean="0"/>
+          </a:p>
+          <a:p>
+            <a:r>
+              <a:rPr lang="en-US" altLang="zh-CN" dirty="0">
+                <a:hlinkClick r:id="rId2"/>
+              </a:rPr>
+              <a:t>https://</a:t>
+            </a:r>
+            <a:r>
+              <a:rPr lang="en-US" altLang="zh-CN" dirty="0" smtClean="0">
+                <a:hlinkClick r:id="rId2"/>
+              </a:rPr>
+              <a:t>my.oschina.net/editorial-story/blog/826663</a:t>
+            </a:r>
+            <a:r>
+              <a:rPr lang="en-US" altLang="zh-CN" dirty="0" smtClean="0"/>
+              <a:t> </a:t>
+            </a:r>
+          </a:p>
+          <a:p>
+            <a:endParaRPr lang="en-US" altLang="zh-CN" dirty="0"/>
+          </a:p>
+          <a:p>
+            <a:r>
+              <a:rPr lang="en-US" altLang="zh-CN" dirty="0"/>
+              <a:t>NLP </a:t>
+            </a:r>
+            <a:r>
+              <a:rPr lang="en-US" altLang="zh-CN" dirty="0">
+                <a:hlinkClick r:id="rId3"/>
+              </a:rPr>
+              <a:t>https://</a:t>
+            </a:r>
+            <a:r>
+              <a:rPr lang="en-US" altLang="zh-CN" dirty="0" smtClean="0">
+                <a:hlinkClick r:id="rId3"/>
+              </a:rPr>
+              <a:t>segmentfault.com/a/1190000008173404</a:t>
+            </a:r>
+            <a:endParaRPr lang="en-US" altLang="zh-CN" dirty="0" smtClean="0"/>
+          </a:p>
+          <a:p>
+            <a:r>
+              <a:rPr lang="en-US" altLang="zh-CN" dirty="0">
+                <a:hlinkClick r:id="rId4"/>
+              </a:rPr>
+              <a:t>https://</a:t>
+            </a:r>
+            <a:r>
+              <a:rPr lang="en-US" altLang="zh-CN" dirty="0" smtClean="0">
+                <a:hlinkClick r:id="rId4"/>
+              </a:rPr>
+              <a:t>github.com/chrisjmccormick/inspect_word2vec</a:t>
+            </a:r>
+            <a:r>
+              <a:rPr lang="en-US" altLang="zh-CN" dirty="0" smtClean="0"/>
+              <a:t> </a:t>
+            </a:r>
+          </a:p>
+          <a:p>
+            <a:endParaRPr lang="en-US" altLang="zh-CN" dirty="0"/>
+          </a:p>
+          <a:p>
+            <a:r>
+              <a:rPr lang="en-US" altLang="zh-CN" dirty="0" err="1" smtClean="0"/>
+              <a:t>openCV</a:t>
+            </a:r>
+            <a:r>
+              <a:rPr lang="en-US" altLang="zh-CN" dirty="0"/>
+              <a:t> </a:t>
+            </a:r>
+            <a:r>
+              <a:rPr lang="en-US" altLang="zh-CN" dirty="0">
+                <a:hlinkClick r:id="rId5"/>
+              </a:rPr>
+              <a:t>http://www.learnopencv.com/handwritten-digits-classification-an-opencv-c-python-tutorial</a:t>
+            </a:r>
+            <a:r>
+              <a:rPr lang="en-US" altLang="zh-CN" dirty="0" smtClean="0">
+                <a:hlinkClick r:id="rId5"/>
+              </a:rPr>
+              <a:t>/</a:t>
+            </a:r>
+            <a:r>
+              <a:rPr lang="en-US" altLang="zh-CN" dirty="0" smtClean="0"/>
+              <a:t> </a:t>
+            </a:r>
+          </a:p>
+          <a:p>
+            <a:r>
+              <a:rPr lang="en-US" altLang="zh-CN" dirty="0">
+                <a:hlinkClick r:id="rId6"/>
+              </a:rPr>
+              <a:t>http://www.learnopencv.com/object-tracking-using-opencv-cpp-python</a:t>
+            </a:r>
+            <a:r>
+              <a:rPr lang="en-US" altLang="zh-CN" dirty="0" smtClean="0">
+                <a:hlinkClick r:id="rId6"/>
+              </a:rPr>
+              <a:t>/</a:t>
+            </a:r>
+            <a:r>
+              <a:rPr lang="en-US" altLang="zh-CN" dirty="0" smtClean="0"/>
+              <a:t> </a:t>
+            </a:r>
+          </a:p>
+          <a:p>
+            <a:endParaRPr lang="en-US" altLang="zh-CN" dirty="0"/>
+          </a:p>
+          <a:p>
+            <a:r>
+              <a:rPr lang="en-US" altLang="zh-CN" dirty="0" err="1"/>
+              <a:t>Tensorflow</a:t>
+            </a:r>
+            <a:r>
+              <a:rPr lang="en-US" altLang="zh-CN" dirty="0"/>
+              <a:t> </a:t>
+            </a:r>
+            <a:r>
+              <a:rPr lang="en-US" altLang="zh-CN" dirty="0">
+                <a:hlinkClick r:id="rId7"/>
+              </a:rPr>
+              <a:t>http://blog.csdn.net/u014595019/article/details/52759104</a:t>
+            </a:r>
+            <a:r>
+              <a:rPr lang="en-US" altLang="zh-CN" dirty="0"/>
+              <a:t> </a:t>
+            </a:r>
+          </a:p>
+          <a:p>
+            <a:r>
+              <a:rPr lang="en-US" altLang="zh-CN" dirty="0">
+                <a:hlinkClick r:id="rId8"/>
+              </a:rPr>
+              <a:t>https://github.com/aymericdamien/TensorFlow-Examples</a:t>
+            </a:r>
+            <a:r>
+              <a:rPr lang="en-US" altLang="zh-CN" dirty="0"/>
+              <a:t> </a:t>
+            </a:r>
+          </a:p>
+          <a:p>
+            <a:r>
+              <a:rPr lang="en-US" altLang="zh-CN" dirty="0" smtClean="0"/>
+              <a:t> </a:t>
+            </a:r>
+          </a:p>
+          <a:p>
+            <a:r>
+              <a:rPr lang="en-US" altLang="zh-CN" dirty="0" smtClean="0"/>
+              <a:t>ML </a:t>
+            </a:r>
+            <a:r>
+              <a:rPr lang="en-US" altLang="zh-CN" dirty="0" err="1" smtClean="0"/>
+              <a:t>Lecun</a:t>
+            </a:r>
+            <a:r>
+              <a:rPr lang="en-US" altLang="zh-CN" dirty="0"/>
+              <a:t> </a:t>
+            </a:r>
+            <a:r>
+              <a:rPr lang="en-US" altLang="zh-CN" dirty="0">
+                <a:hlinkClick r:id="rId9"/>
+              </a:rPr>
+              <a:t>http://</a:t>
+            </a:r>
+            <a:r>
+              <a:rPr lang="en-US" altLang="zh-CN" dirty="0" smtClean="0">
+                <a:hlinkClick r:id="rId9"/>
+              </a:rPr>
+              <a:t>yann.lecun.com/exdb/publis/index.html#lecun-98</a:t>
+            </a:r>
+            <a:r>
+              <a:rPr lang="en-US" altLang="zh-CN" dirty="0" smtClean="0"/>
+              <a:t> </a:t>
+            </a:r>
+          </a:p>
+          <a:p>
+            <a:r>
+              <a:rPr lang="en-US" altLang="zh-CN" dirty="0">
+                <a:hlinkClick r:id="rId10"/>
+              </a:rPr>
+              <a:t>http://www.cs.toronto.edu/~hinton</a:t>
+            </a:r>
+            <a:r>
+              <a:rPr lang="en-US" altLang="zh-CN" dirty="0" smtClean="0">
+                <a:hlinkClick r:id="rId10"/>
+              </a:rPr>
+              <a:t>/</a:t>
+            </a:r>
+            <a:r>
+              <a:rPr lang="en-US" altLang="zh-CN" dirty="0" smtClean="0"/>
+              <a:t> </a:t>
+            </a:r>
+            <a:endParaRPr lang="en-US" altLang="zh-CN" dirty="0"/>
+          </a:p>
+        </p:txBody>
+      </p:sp>
+    </p:spTree>
+    <p:extLst>
+      <p:ext uri="{BB962C8B-B14F-4D97-AF65-F5344CB8AC3E}">
+        <p14:creationId xmlns:p14="http://schemas.microsoft.com/office/powerpoint/2010/main" val="1515358562"/>
+      </p:ext>
+    </p:extLst>
+  </p:cSld>
+  <p:clrMapOvr>
+    <a:masterClrMapping/>
+  </p:clrMapOvr>
+  <p:transition>
+    <p:fade/>
+  </p:transition>
+</p:sld>
+</file>
+
+<file path=ppt/slides/slide17.xml><?xml version="1.0" encoding="utf-8"?>
+<p:sld xmlns:a="http://schemas.openxmlformats.org/drawingml/2006/main" xmlns:r="http://schemas.openxmlformats.org/officeDocument/2006/relationships" xmlns:p="http://schemas.openxmlformats.org/presentationml/2006/main">
+  <p:cSld>
+    <p:spTree>
+      <p:nvGrpSpPr>
+        <p:cNvPr id="1" name=""/>
+        <p:cNvGrpSpPr/>
+        <p:nvPr/>
+      </p:nvGrpSpPr>
+      <p:grpSpPr>
+        <a:xfrm>
+          <a:off x="0" y="0"/>
+          <a:ext cx="0" cy="0"/>
+          <a:chOff x="0" y="0"/>
+          <a:chExt cx="0" cy="0"/>
+        </a:xfrm>
+      </p:grpSpPr>
+      <p:sp>
+        <p:nvSpPr>
+          <p:cNvPr id="10" name="文本框 9"/>
+          <p:cNvSpPr txBox="1"/>
+          <p:nvPr/>
+        </p:nvSpPr>
+        <p:spPr>
+          <a:xfrm>
+            <a:off x="708182" y="595465"/>
+            <a:ext cx="418704" cy="646331"/>
+          </a:xfrm>
+          <a:prstGeom prst="rect">
+            <a:avLst/>
+          </a:prstGeom>
+          <a:noFill/>
+        </p:spPr>
+        <p:txBody>
+          <a:bodyPr wrap="none" rtlCol="0">
+            <a:spAutoFit/>
+          </a:bodyPr>
+          <a:lstStyle/>
+          <a:p>
+            <a:pPr algn="ctr"/>
+            <a:fld id="{E343E591-7A80-4183-A652-B57385720CD6}" type="slidenum">
+              <a:rPr kumimoji="1" lang="en-US" altLang="zh-CN" sz="3600" smtClean="0">
+                <a:solidFill>
+                  <a:schemeClr val="bg1"/>
+                </a:solidFill>
+                <a:latin typeface="Microsoft YaHei Bold"/>
+                <a:ea typeface="+mj-ea"/>
+                <a:cs typeface="Microsoft YaHei Bold"/>
+              </a:rPr>
+              <a:t>17</a:t>
+            </a:fld>
+            <a:endParaRPr kumimoji="1" lang="zh-CN" altLang="en-US" sz="3600" dirty="0">
+              <a:solidFill>
+                <a:schemeClr val="bg1"/>
+              </a:solidFill>
+              <a:latin typeface="Microsoft YaHei Bold"/>
+              <a:ea typeface="+mj-ea"/>
+              <a:cs typeface="Microsoft YaHei Bold"/>
+            </a:endParaRPr>
+          </a:p>
+        </p:txBody>
+      </p:sp>
+      <p:sp>
+        <p:nvSpPr>
+          <p:cNvPr id="11" name="文本框 10"/>
+          <p:cNvSpPr txBox="1"/>
+          <p:nvPr/>
+        </p:nvSpPr>
+        <p:spPr>
+          <a:xfrm>
+            <a:off x="1500833" y="628811"/>
+            <a:ext cx="1005403" cy="584775"/>
+          </a:xfrm>
+          <a:prstGeom prst="rect">
+            <a:avLst/>
+          </a:prstGeom>
+          <a:noFill/>
+        </p:spPr>
+        <p:txBody>
+          <a:bodyPr wrap="none" rtlCol="0">
+            <a:spAutoFit/>
+          </a:bodyPr>
+          <a:lstStyle/>
+          <a:p>
+            <a:r>
+              <a:rPr kumimoji="1" lang="zh-CN" altLang="en-US" sz="3200" b="1" dirty="0">
+                <a:solidFill>
+                  <a:srgbClr val="3369F8"/>
+                </a:solidFill>
+                <a:latin typeface="+mj-ea"/>
+                <a:ea typeface="+mj-ea"/>
+              </a:rPr>
+              <a:t>术语</a:t>
+            </a:r>
+            <a:endParaRPr kumimoji="1" lang="zh-CN" altLang="en-US" sz="3200" b="1" dirty="0">
+              <a:solidFill>
+                <a:srgbClr val="3369F8"/>
+              </a:solidFill>
+              <a:latin typeface="+mj-ea"/>
+              <a:ea typeface="+mj-ea"/>
+            </a:endParaRPr>
+          </a:p>
+        </p:txBody>
+      </p:sp>
+      <p:sp>
+        <p:nvSpPr>
+          <p:cNvPr id="3" name="TextBox 2"/>
+          <p:cNvSpPr txBox="1"/>
+          <p:nvPr/>
+        </p:nvSpPr>
+        <p:spPr>
+          <a:xfrm>
+            <a:off x="708182" y="1778558"/>
+            <a:ext cx="7732433" cy="5078313"/>
+          </a:xfrm>
+          <a:prstGeom prst="rect">
+            <a:avLst/>
+          </a:prstGeom>
+          <a:noFill/>
+        </p:spPr>
+        <p:txBody>
+          <a:bodyPr wrap="square" rtlCol="0">
+            <a:spAutoFit/>
+          </a:bodyPr>
+          <a:lstStyle/>
+          <a:p>
+            <a:pPr marL="285750" indent="-285750">
+              <a:buFont typeface="Wingdings" panose="05000000000000000000" pitchFamily="2" charset="2"/>
+              <a:buChar char="l"/>
+            </a:pPr>
+            <a:endParaRPr lang="en-US" altLang="zh-CN" dirty="0" smtClean="0"/>
+          </a:p>
+          <a:p>
+            <a:r>
+              <a:rPr lang="en-US" altLang="zh-CN" dirty="0"/>
+              <a:t>Handwritten </a:t>
+            </a:r>
+            <a:r>
+              <a:rPr lang="en-US" altLang="zh-CN" dirty="0">
+                <a:hlinkClick r:id="rId2"/>
+              </a:rPr>
+              <a:t>http://</a:t>
+            </a:r>
+            <a:r>
+              <a:rPr lang="en-US" altLang="zh-CN" dirty="0" smtClean="0">
+                <a:hlinkClick r:id="rId2"/>
+              </a:rPr>
+              <a:t>yann.lecun.com/exdb/mnist/index.html</a:t>
+            </a:r>
+            <a:r>
+              <a:rPr lang="en-US" altLang="zh-CN" dirty="0" smtClean="0"/>
+              <a:t> </a:t>
+            </a:r>
+          </a:p>
+          <a:p>
+            <a:r>
+              <a:rPr lang="en-US" altLang="zh-CN" dirty="0">
+                <a:hlinkClick r:id="rId3"/>
+              </a:rPr>
+              <a:t>https://</a:t>
+            </a:r>
+            <a:r>
+              <a:rPr lang="en-US" altLang="zh-CN" dirty="0" smtClean="0">
+                <a:hlinkClick r:id="rId3"/>
+              </a:rPr>
+              <a:t>www.codeproject.com/Articles/16650/Neural-Network-for-Recognition-of-Handwritten-Digi</a:t>
+            </a:r>
+            <a:r>
+              <a:rPr lang="en-US" altLang="zh-CN" dirty="0" smtClean="0"/>
+              <a:t> </a:t>
+            </a:r>
+          </a:p>
+          <a:p>
+            <a:endParaRPr lang="en-US" altLang="zh-CN" dirty="0"/>
+          </a:p>
+          <a:p>
+            <a:r>
+              <a:rPr lang="en-US" altLang="zh-CN" dirty="0"/>
+              <a:t>Pose </a:t>
+            </a:r>
+            <a:r>
+              <a:rPr lang="en-US" altLang="zh-CN" dirty="0">
+                <a:hlinkClick r:id="rId4"/>
+              </a:rPr>
+              <a:t>http://</a:t>
+            </a:r>
+            <a:r>
+              <a:rPr lang="en-US" altLang="zh-CN" dirty="0" smtClean="0">
+                <a:hlinkClick r:id="rId4"/>
+              </a:rPr>
+              <a:t>files.is.tue.mpg.de/jgall/projects/RFhead/RFhead.html</a:t>
+            </a:r>
+            <a:r>
+              <a:rPr lang="en-US" altLang="zh-CN" dirty="0" smtClean="0"/>
+              <a:t> </a:t>
+            </a:r>
+          </a:p>
+          <a:p>
+            <a:r>
+              <a:rPr lang="en-US" altLang="zh-CN" dirty="0">
+                <a:hlinkClick r:id="rId5"/>
+              </a:rPr>
+              <a:t>http://</a:t>
+            </a:r>
+            <a:r>
+              <a:rPr lang="en-US" altLang="zh-CN" dirty="0" smtClean="0">
+                <a:hlinkClick r:id="rId5"/>
+              </a:rPr>
+              <a:t>files.is.tue.mpg.de/jgall/projects/houghAR/houghAR.html</a:t>
+            </a:r>
+            <a:r>
+              <a:rPr lang="en-US" altLang="zh-CN" dirty="0" smtClean="0"/>
+              <a:t> </a:t>
+            </a:r>
+          </a:p>
+          <a:p>
+            <a:r>
+              <a:rPr lang="en-US" altLang="zh-CN" dirty="0">
+                <a:hlinkClick r:id="rId6"/>
+              </a:rPr>
+              <a:t>http://www.openu.ac.il/home/hassner/projects/MIP</a:t>
+            </a:r>
+            <a:r>
+              <a:rPr lang="en-US" altLang="zh-CN" dirty="0" smtClean="0">
+                <a:hlinkClick r:id="rId6"/>
+              </a:rPr>
+              <a:t>/</a:t>
+            </a:r>
+            <a:r>
+              <a:rPr lang="en-US" altLang="zh-CN" dirty="0" smtClean="0"/>
+              <a:t> </a:t>
+            </a:r>
+          </a:p>
+          <a:p>
+            <a:r>
+              <a:rPr lang="en-US" altLang="zh-CN" dirty="0" smtClean="0">
+                <a:hlinkClick r:id="rId7"/>
+              </a:rPr>
+              <a:t>http</a:t>
+            </a:r>
+            <a:r>
+              <a:rPr lang="en-US" altLang="zh-CN" dirty="0">
+                <a:hlinkClick r:id="rId7"/>
+              </a:rPr>
+              <a:t>://groups.inf.ed.ac.uk/calvin/articulated_human_pose_estimation_code</a:t>
+            </a:r>
+            <a:r>
+              <a:rPr lang="en-US" altLang="zh-CN" dirty="0" smtClean="0">
+                <a:hlinkClick r:id="rId7"/>
+              </a:rPr>
+              <a:t>/</a:t>
+            </a:r>
+            <a:endParaRPr lang="en-US" altLang="zh-CN" dirty="0" smtClean="0"/>
+          </a:p>
+          <a:p>
+            <a:r>
+              <a:rPr lang="en-US" altLang="zh-CN" dirty="0">
+                <a:hlinkClick r:id="rId8"/>
+              </a:rPr>
+              <a:t>http://</a:t>
+            </a:r>
+            <a:r>
+              <a:rPr lang="en-US" altLang="zh-CN" dirty="0" smtClean="0">
+                <a:hlinkClick r:id="rId8"/>
+              </a:rPr>
+              <a:t>www.visionbib.com/bibliography/motion-i763.html</a:t>
+            </a:r>
+            <a:r>
+              <a:rPr lang="en-US" altLang="zh-CN" dirty="0" smtClean="0"/>
+              <a:t> </a:t>
+            </a:r>
+          </a:p>
+          <a:p>
+            <a:r>
+              <a:rPr lang="en-US" altLang="zh-CN" dirty="0">
+                <a:hlinkClick r:id="rId9"/>
+              </a:rPr>
+              <a:t>http://www.na.icar.cnr.it/~</a:t>
+            </a:r>
+            <a:r>
+              <a:rPr lang="en-US" altLang="zh-CN" dirty="0" smtClean="0">
+                <a:hlinkClick r:id="rId9"/>
+              </a:rPr>
+              <a:t>maddalena.l/MODLab/SoftwareSOBS.html</a:t>
+            </a:r>
+            <a:r>
+              <a:rPr lang="en-US" altLang="zh-CN" dirty="0" smtClean="0"/>
+              <a:t> </a:t>
+            </a:r>
+          </a:p>
+          <a:p>
+            <a:r>
+              <a:rPr lang="en-US" altLang="zh-CN" dirty="0">
+                <a:hlinkClick r:id="rId10"/>
+              </a:rPr>
+              <a:t>http://www.umiacs.umd.edu/~</a:t>
+            </a:r>
+            <a:r>
+              <a:rPr lang="en-US" altLang="zh-CN" dirty="0" smtClean="0">
+                <a:hlinkClick r:id="rId10"/>
+              </a:rPr>
+              <a:t>knkim/UMD-BGS/index.html</a:t>
+            </a:r>
+            <a:r>
+              <a:rPr lang="en-US" altLang="zh-CN" dirty="0" smtClean="0"/>
+              <a:t> </a:t>
+            </a:r>
+          </a:p>
+          <a:p>
+            <a:r>
+              <a:rPr lang="en-US" altLang="zh-CN" dirty="0">
+                <a:hlinkClick r:id="rId11"/>
+              </a:rPr>
+              <a:t>https://</a:t>
+            </a:r>
+            <a:r>
+              <a:rPr lang="en-US" altLang="zh-CN" dirty="0" smtClean="0">
+                <a:hlinkClick r:id="rId11"/>
+              </a:rPr>
+              <a:t>www.codeproject.com/Articles/10248/Motion-Detection-Algorithms</a:t>
+            </a:r>
+            <a:r>
+              <a:rPr lang="en-US" altLang="zh-CN" dirty="0" smtClean="0"/>
+              <a:t> </a:t>
+            </a:r>
+          </a:p>
+          <a:p>
+            <a:r>
+              <a:rPr lang="en-US" altLang="zh-CN" dirty="0">
+                <a:hlinkClick r:id="rId12"/>
+              </a:rPr>
+              <a:t>https://</a:t>
+            </a:r>
+            <a:r>
+              <a:rPr lang="en-US" altLang="zh-CN" dirty="0" smtClean="0">
+                <a:hlinkClick r:id="rId12"/>
+              </a:rPr>
+              <a:t>cn.mathworks.com/help/vision/object-tracking-and-motion-estimation.html</a:t>
+            </a:r>
+            <a:r>
+              <a:rPr lang="en-US" altLang="zh-CN" dirty="0" smtClean="0"/>
+              <a:t> </a:t>
+            </a:r>
+          </a:p>
+          <a:p>
+            <a:endParaRPr lang="en-US" altLang="zh-CN" dirty="0"/>
+          </a:p>
+          <a:p>
+            <a:r>
+              <a:rPr lang="en-US" altLang="zh-CN" dirty="0" smtClean="0"/>
+              <a:t>Big data</a:t>
+            </a:r>
+            <a:r>
+              <a:rPr lang="en-US" altLang="zh-CN" dirty="0"/>
+              <a:t> </a:t>
+            </a:r>
+            <a:r>
+              <a:rPr lang="en-US" altLang="zh-CN" dirty="0">
+                <a:hlinkClick r:id="rId13"/>
+              </a:rPr>
+              <a:t>https://</a:t>
+            </a:r>
+            <a:r>
+              <a:rPr lang="en-US" altLang="zh-CN" dirty="0" smtClean="0">
+                <a:hlinkClick r:id="rId13"/>
+              </a:rPr>
+              <a:t>github.com/onurakpolat/awesome-bigdata</a:t>
+            </a:r>
+            <a:r>
+              <a:rPr lang="en-US" altLang="zh-CN" dirty="0" smtClean="0"/>
+              <a:t> </a:t>
+            </a:r>
+            <a:endParaRPr lang="en-US" altLang="zh-CN" dirty="0"/>
+          </a:p>
+        </p:txBody>
+      </p:sp>
+    </p:spTree>
+    <p:extLst>
+      <p:ext uri="{BB962C8B-B14F-4D97-AF65-F5344CB8AC3E}">
+        <p14:creationId xmlns:p14="http://schemas.microsoft.com/office/powerpoint/2010/main" val="2836302376"/>
+      </p:ext>
+    </p:extLst>
+  </p:cSld>
+  <p:clrMapOvr>
+    <a:masterClrMapping/>
+  </p:clrMapOvr>
+  <p:transition>
+    <p:fade/>
+  </p:transition>
+</p:sld>
+</file>
+
+<file path=ppt/slides/slide18.xml><?xml version="1.0" encoding="utf-8"?>
+<p:sld xmlns:a="http://schemas.openxmlformats.org/drawingml/2006/main" xmlns:r="http://schemas.openxmlformats.org/officeDocument/2006/relationships" xmlns:p="http://schemas.openxmlformats.org/presentationml/2006/main">
+  <p:cSld>
+    <p:spTree>
+      <p:nvGrpSpPr>
+        <p:cNvPr id="1" name=""/>
+        <p:cNvGrpSpPr/>
+        <p:nvPr/>
+      </p:nvGrpSpPr>
+      <p:grpSpPr>
+        <a:xfrm>
+          <a:off x="0" y="0"/>
+          <a:ext cx="0" cy="0"/>
+          <a:chOff x="0" y="0"/>
+          <a:chExt cx="0" cy="0"/>
+        </a:xfrm>
+      </p:grpSpPr>
+      <p:sp>
+        <p:nvSpPr>
+          <p:cNvPr id="10" name="文本框 9"/>
+          <p:cNvSpPr txBox="1"/>
+          <p:nvPr/>
+        </p:nvSpPr>
+        <p:spPr>
+          <a:xfrm>
+            <a:off x="708182" y="595465"/>
+            <a:ext cx="418704" cy="646331"/>
+          </a:xfrm>
+          <a:prstGeom prst="rect">
+            <a:avLst/>
+          </a:prstGeom>
+          <a:noFill/>
+        </p:spPr>
+        <p:txBody>
+          <a:bodyPr wrap="none" rtlCol="0">
+            <a:spAutoFit/>
+          </a:bodyPr>
+          <a:lstStyle/>
+          <a:p>
+            <a:pPr algn="ctr"/>
+            <a:fld id="{E343E591-7A80-4183-A652-B57385720CD6}" type="slidenum">
+              <a:rPr kumimoji="1" lang="en-US" altLang="zh-CN" sz="3600" smtClean="0">
+                <a:solidFill>
+                  <a:schemeClr val="bg1"/>
+                </a:solidFill>
+                <a:latin typeface="Microsoft YaHei Bold"/>
+                <a:ea typeface="+mj-ea"/>
+                <a:cs typeface="Microsoft YaHei Bold"/>
+              </a:rPr>
+              <a:t>18</a:t>
+            </a:fld>
+            <a:endParaRPr kumimoji="1" lang="zh-CN" altLang="en-US" sz="3600" dirty="0">
+              <a:solidFill>
+                <a:schemeClr val="bg1"/>
+              </a:solidFill>
+              <a:latin typeface="Microsoft YaHei Bold"/>
+              <a:ea typeface="+mj-ea"/>
+              <a:cs typeface="Microsoft YaHei Bold"/>
+            </a:endParaRPr>
+          </a:p>
+        </p:txBody>
+      </p:sp>
+      <p:sp>
+        <p:nvSpPr>
+          <p:cNvPr id="11" name="文本框 10"/>
+          <p:cNvSpPr txBox="1"/>
+          <p:nvPr/>
+        </p:nvSpPr>
+        <p:spPr>
+          <a:xfrm>
+            <a:off x="1500833" y="628811"/>
+            <a:ext cx="1005403" cy="584775"/>
+          </a:xfrm>
+          <a:prstGeom prst="rect">
+            <a:avLst/>
+          </a:prstGeom>
+          <a:noFill/>
+        </p:spPr>
+        <p:txBody>
+          <a:bodyPr wrap="none" rtlCol="0">
+            <a:spAutoFit/>
+          </a:bodyPr>
+          <a:lstStyle/>
+          <a:p>
+            <a:r>
+              <a:rPr kumimoji="1" lang="zh-CN" altLang="en-US" sz="3200" b="1" dirty="0">
+                <a:solidFill>
+                  <a:srgbClr val="3369F8"/>
+                </a:solidFill>
+                <a:latin typeface="+mj-ea"/>
+                <a:ea typeface="+mj-ea"/>
+              </a:rPr>
+              <a:t>术语</a:t>
+            </a:r>
+            <a:endParaRPr kumimoji="1" lang="zh-CN" altLang="en-US" sz="3200" b="1" dirty="0">
+              <a:solidFill>
+                <a:srgbClr val="3369F8"/>
+              </a:solidFill>
+              <a:latin typeface="+mj-ea"/>
+              <a:ea typeface="+mj-ea"/>
+            </a:endParaRPr>
+          </a:p>
+        </p:txBody>
+      </p:sp>
+      <p:sp>
+        <p:nvSpPr>
+          <p:cNvPr id="3" name="TextBox 2"/>
+          <p:cNvSpPr txBox="1"/>
+          <p:nvPr/>
+        </p:nvSpPr>
+        <p:spPr>
+          <a:xfrm>
+            <a:off x="708182" y="1778558"/>
+            <a:ext cx="7732433" cy="4247317"/>
+          </a:xfrm>
+          <a:prstGeom prst="rect">
+            <a:avLst/>
+          </a:prstGeom>
+          <a:noFill/>
+        </p:spPr>
+        <p:txBody>
+          <a:bodyPr wrap="square" rtlCol="0">
+            <a:spAutoFit/>
+          </a:bodyPr>
+          <a:lstStyle/>
+          <a:p>
+            <a:pPr marL="285750" indent="-285750">
+              <a:buFont typeface="Wingdings" panose="05000000000000000000" pitchFamily="2" charset="2"/>
+              <a:buChar char="l"/>
+            </a:pPr>
+            <a:endParaRPr lang="en-US" altLang="zh-CN" dirty="0" smtClean="0"/>
+          </a:p>
+          <a:p>
+            <a:r>
+              <a:rPr lang="en-US" altLang="zh-CN" dirty="0"/>
+              <a:t>Deep Learning </a:t>
+            </a:r>
+            <a:r>
+              <a:rPr lang="en-US" altLang="zh-CN" dirty="0">
+                <a:hlinkClick r:id="rId2"/>
+              </a:rPr>
+              <a:t>https://</a:t>
+            </a:r>
+            <a:r>
+              <a:rPr lang="en-US" altLang="zh-CN" dirty="0" smtClean="0">
+                <a:hlinkClick r:id="rId2"/>
+              </a:rPr>
+              <a:t>github.com/ChristosChristofidis/awesome-deep-learning</a:t>
+            </a:r>
+            <a:r>
+              <a:rPr lang="en-US" altLang="zh-CN" dirty="0" smtClean="0"/>
+              <a:t> </a:t>
+            </a:r>
+          </a:p>
+          <a:p>
+            <a:endParaRPr lang="en-US" altLang="zh-CN" dirty="0"/>
+          </a:p>
+          <a:p>
+            <a:r>
+              <a:rPr lang="en-US" altLang="zh-CN" dirty="0"/>
+              <a:t>Deep ID </a:t>
+            </a:r>
+            <a:r>
+              <a:rPr lang="en-US" altLang="zh-CN" dirty="0">
+                <a:hlinkClick r:id="rId3"/>
+              </a:rPr>
+              <a:t>http://</a:t>
+            </a:r>
+            <a:r>
+              <a:rPr lang="en-US" altLang="zh-CN" dirty="0" smtClean="0">
+                <a:hlinkClick r:id="rId3"/>
+              </a:rPr>
+              <a:t>www.csdn.net/article/2015-11-18/2826241</a:t>
+            </a:r>
+            <a:r>
+              <a:rPr lang="en-US" altLang="zh-CN" dirty="0" smtClean="0"/>
+              <a:t> </a:t>
+            </a:r>
+          </a:p>
+          <a:p>
+            <a:endParaRPr lang="en-US" altLang="zh-CN" dirty="0"/>
+          </a:p>
+          <a:p>
+            <a:r>
+              <a:rPr lang="en-US" altLang="zh-CN" dirty="0">
+                <a:hlinkClick r:id="rId4"/>
+              </a:rPr>
+              <a:t>https://mp.weixin.qq.com/s?__biz=MzI4MDYzNzg4Mw==&amp;</a:t>
+            </a:r>
+            <a:r>
+              <a:rPr lang="en-US" altLang="zh-CN" dirty="0" smtClean="0">
+                <a:hlinkClick r:id="rId4"/>
+              </a:rPr>
+              <a:t>mid=2247484702&amp;idx=1&amp;sn=f9abbbccb1cc829e5726b700373d36fc&amp;chksm=ebb43dcadcc3b4dc973ee00ea3babbc9b56c3860d526a726252318b08c734bb8d002924b2741&amp;scene=21#wechat_redirect</a:t>
+            </a:r>
+            <a:r>
+              <a:rPr lang="en-US" altLang="zh-CN" dirty="0" smtClean="0"/>
+              <a:t> </a:t>
+            </a:r>
+          </a:p>
+          <a:p>
+            <a:endParaRPr lang="en-US" altLang="zh-CN" dirty="0"/>
+          </a:p>
+          <a:p>
+            <a:r>
+              <a:rPr lang="en-US" altLang="zh-CN" dirty="0">
+                <a:hlinkClick r:id="rId5"/>
+              </a:rPr>
+              <a:t>https://www.jiqizhixin.com</a:t>
+            </a:r>
+            <a:r>
+              <a:rPr lang="en-US" altLang="zh-CN" dirty="0" smtClean="0">
+                <a:hlinkClick r:id="rId5"/>
+              </a:rPr>
+              <a:t>/</a:t>
+            </a:r>
+            <a:r>
+              <a:rPr lang="en-US" altLang="zh-CN" dirty="0" smtClean="0"/>
+              <a:t> </a:t>
+            </a:r>
+          </a:p>
+          <a:p>
+            <a:endParaRPr lang="en-US" altLang="zh-CN" dirty="0"/>
+          </a:p>
+          <a:p>
+            <a:r>
+              <a:rPr lang="en-US" altLang="zh-CN" dirty="0">
+                <a:hlinkClick r:id="rId6"/>
+              </a:rPr>
+              <a:t>http://</a:t>
+            </a:r>
+            <a:r>
+              <a:rPr lang="en-US" altLang="zh-CN" dirty="0" smtClean="0">
+                <a:hlinkClick r:id="rId6"/>
+              </a:rPr>
+              <a:t>blog.csdn.net/workerwu/article/details/46537849</a:t>
+            </a:r>
+            <a:r>
+              <a:rPr lang="en-US" altLang="zh-CN" dirty="0" smtClean="0"/>
+              <a:t> </a:t>
+            </a:r>
+          </a:p>
+          <a:p>
+            <a:r>
+              <a:rPr lang="en-US" altLang="zh-CN" dirty="0">
+                <a:hlinkClick r:id="rId7"/>
+              </a:rPr>
+              <a:t>http://</a:t>
+            </a:r>
+            <a:r>
+              <a:rPr lang="en-US" altLang="zh-CN" dirty="0" smtClean="0">
+                <a:hlinkClick r:id="rId7"/>
+              </a:rPr>
+              <a:t>blog.csdn.net/cv_family_z/article/details/49902011</a:t>
+            </a:r>
+            <a:r>
+              <a:rPr lang="en-US" altLang="zh-CN" dirty="0" smtClean="0"/>
+              <a:t> </a:t>
+            </a:r>
+            <a:endParaRPr lang="en-US" altLang="zh-CN" dirty="0"/>
+          </a:p>
+        </p:txBody>
+      </p:sp>
+    </p:spTree>
+    <p:extLst>
+      <p:ext uri="{BB962C8B-B14F-4D97-AF65-F5344CB8AC3E}">
+        <p14:creationId xmlns:p14="http://schemas.microsoft.com/office/powerpoint/2010/main" val="636533669"/>
+      </p:ext>
+    </p:extLst>
+  </p:cSld>
+  <p:clrMapOvr>
+    <a:masterClrMapping/>
+  </p:clrMapOvr>
+  <p:transition>
+    <p:fade/>
+  </p:transition>
+</p:sld>
+</file>
+
+<file path=ppt/slides/slide19.xml><?xml version="1.0" encoding="utf-8"?>
+<p:sld xmlns:a="http://schemas.openxmlformats.org/drawingml/2006/main" xmlns:r="http://schemas.openxmlformats.org/officeDocument/2006/relationships" xmlns:p="http://schemas.openxmlformats.org/presentationml/2006/main">
+  <p:cSld>
+    <p:spTree>
+      <p:nvGrpSpPr>
+        <p:cNvPr id="1" name=""/>
+        <p:cNvGrpSpPr/>
+        <p:nvPr/>
+      </p:nvGrpSpPr>
+      <p:grpSpPr>
+        <a:xfrm>
+          <a:off x="0" y="0"/>
+          <a:ext cx="0" cy="0"/>
+          <a:chOff x="0" y="0"/>
+          <a:chExt cx="0" cy="0"/>
+        </a:xfrm>
+      </p:grpSpPr>
+      <p:sp>
+        <p:nvSpPr>
+          <p:cNvPr id="10" name="文本框 9"/>
+          <p:cNvSpPr txBox="1"/>
+          <p:nvPr/>
+        </p:nvSpPr>
+        <p:spPr>
+          <a:xfrm>
+            <a:off x="708182" y="595465"/>
+            <a:ext cx="418704" cy="646331"/>
+          </a:xfrm>
+          <a:prstGeom prst="rect">
+            <a:avLst/>
+          </a:prstGeom>
+          <a:noFill/>
+        </p:spPr>
+        <p:txBody>
+          <a:bodyPr wrap="none" rtlCol="0">
+            <a:spAutoFit/>
+          </a:bodyPr>
+          <a:lstStyle/>
+          <a:p>
+            <a:pPr algn="ctr"/>
+            <a:fld id="{E343E591-7A80-4183-A652-B57385720CD6}" type="slidenum">
+              <a:rPr kumimoji="1" lang="en-US" altLang="zh-CN" sz="3600" smtClean="0">
+                <a:solidFill>
+                  <a:schemeClr val="bg1"/>
+                </a:solidFill>
+                <a:latin typeface="Microsoft YaHei Bold"/>
+                <a:ea typeface="+mj-ea"/>
+                <a:cs typeface="Microsoft YaHei Bold"/>
+              </a:rPr>
+              <a:t>19</a:t>
+            </a:fld>
+            <a:endParaRPr kumimoji="1" lang="zh-CN" altLang="en-US" sz="3600" dirty="0">
+              <a:solidFill>
+                <a:schemeClr val="bg1"/>
+              </a:solidFill>
+              <a:latin typeface="Microsoft YaHei Bold"/>
+              <a:ea typeface="+mj-ea"/>
+              <a:cs typeface="Microsoft YaHei Bold"/>
+            </a:endParaRPr>
+          </a:p>
+        </p:txBody>
+      </p:sp>
+      <p:sp>
+        <p:nvSpPr>
+          <p:cNvPr id="11" name="文本框 10"/>
+          <p:cNvSpPr txBox="1"/>
+          <p:nvPr/>
+        </p:nvSpPr>
+        <p:spPr>
+          <a:xfrm>
+            <a:off x="1500833" y="628811"/>
+            <a:ext cx="1005403" cy="584775"/>
+          </a:xfrm>
+          <a:prstGeom prst="rect">
+            <a:avLst/>
+          </a:prstGeom>
+          <a:noFill/>
+        </p:spPr>
+        <p:txBody>
+          <a:bodyPr wrap="none" rtlCol="0">
+            <a:spAutoFit/>
+          </a:bodyPr>
+          <a:lstStyle/>
+          <a:p>
+            <a:r>
+              <a:rPr kumimoji="1" lang="zh-CN" altLang="en-US" sz="3200" b="1" dirty="0">
+                <a:solidFill>
+                  <a:srgbClr val="3369F8"/>
+                </a:solidFill>
+                <a:latin typeface="+mj-ea"/>
+                <a:ea typeface="+mj-ea"/>
+              </a:rPr>
+              <a:t>术语</a:t>
+            </a:r>
+            <a:endParaRPr kumimoji="1" lang="zh-CN" altLang="en-US" sz="3200" b="1" dirty="0">
+              <a:solidFill>
+                <a:srgbClr val="3369F8"/>
+              </a:solidFill>
+              <a:latin typeface="+mj-ea"/>
+              <a:ea typeface="+mj-ea"/>
+            </a:endParaRPr>
+          </a:p>
+        </p:txBody>
+      </p:sp>
+      <p:sp>
+        <p:nvSpPr>
+          <p:cNvPr id="3" name="TextBox 2"/>
+          <p:cNvSpPr txBox="1"/>
+          <p:nvPr/>
+        </p:nvSpPr>
+        <p:spPr>
+          <a:xfrm>
+            <a:off x="708182" y="1778558"/>
+            <a:ext cx="7732433" cy="2031325"/>
+          </a:xfrm>
+          <a:prstGeom prst="rect">
+            <a:avLst/>
+          </a:prstGeom>
+          <a:noFill/>
+        </p:spPr>
+        <p:txBody>
+          <a:bodyPr wrap="square" rtlCol="0">
+            <a:spAutoFit/>
+          </a:bodyPr>
+          <a:lstStyle/>
+          <a:p>
+            <a:pPr marL="285750" indent="-285750">
+              <a:buFont typeface="Wingdings" panose="05000000000000000000" pitchFamily="2" charset="2"/>
+              <a:buChar char="l"/>
+            </a:pPr>
+            <a:endParaRPr lang="en-US" altLang="zh-CN" dirty="0" smtClean="0"/>
+          </a:p>
+          <a:p>
+            <a:r>
+              <a:rPr lang="en-US" altLang="zh-CN" dirty="0" err="1" smtClean="0"/>
+              <a:t>Convnet</a:t>
+            </a:r>
+            <a:r>
+              <a:rPr lang="en-US" altLang="zh-CN" dirty="0"/>
+              <a:t> </a:t>
+            </a:r>
+            <a:r>
+              <a:rPr lang="en-US" altLang="zh-CN" dirty="0">
+                <a:hlinkClick r:id="rId2"/>
+              </a:rPr>
+              <a:t>http://</a:t>
+            </a:r>
+            <a:r>
+              <a:rPr lang="en-US" altLang="zh-CN" dirty="0" smtClean="0">
+                <a:hlinkClick r:id="rId2"/>
+              </a:rPr>
+              <a:t>blog.csdn.net/linj_m/article/details/38072145</a:t>
+            </a:r>
+            <a:r>
+              <a:rPr lang="en-US" altLang="zh-CN" dirty="0" smtClean="0"/>
+              <a:t> </a:t>
+            </a:r>
+          </a:p>
+          <a:p>
+            <a:r>
+              <a:rPr lang="en-US" altLang="zh-CN" dirty="0">
+                <a:hlinkClick r:id="rId3"/>
+              </a:rPr>
+              <a:t>http://torontodeeplearning.github.io/convnet</a:t>
+            </a:r>
+            <a:r>
+              <a:rPr lang="en-US" altLang="zh-CN" dirty="0" smtClean="0">
+                <a:hlinkClick r:id="rId3"/>
+              </a:rPr>
+              <a:t>/</a:t>
+            </a:r>
+            <a:r>
+              <a:rPr lang="en-US" altLang="zh-CN" dirty="0" smtClean="0"/>
+              <a:t> </a:t>
+            </a:r>
+          </a:p>
+          <a:p>
+            <a:endParaRPr lang="en-US" altLang="zh-CN" dirty="0"/>
+          </a:p>
+          <a:p>
+            <a:r>
+              <a:rPr lang="en-US" altLang="zh-CN" dirty="0"/>
+              <a:t>BP NN </a:t>
+            </a:r>
+            <a:r>
+              <a:rPr lang="en-US" altLang="zh-CN" dirty="0">
+                <a:hlinkClick r:id="rId4"/>
+              </a:rPr>
+              <a:t>http://</a:t>
+            </a:r>
+            <a:r>
+              <a:rPr lang="en-US" altLang="zh-CN" dirty="0" smtClean="0">
+                <a:hlinkClick r:id="rId4"/>
+              </a:rPr>
+              <a:t>blog.csdn.net/acdreamers/article/details/44657439</a:t>
+            </a:r>
+            <a:r>
+              <a:rPr lang="en-US" altLang="zh-CN" dirty="0" smtClean="0"/>
+              <a:t> </a:t>
+            </a:r>
+          </a:p>
+          <a:p>
+            <a:r>
+              <a:rPr lang="en-US" altLang="zh-CN" dirty="0">
+                <a:hlinkClick r:id="rId5"/>
+              </a:rPr>
+              <a:t>http://</a:t>
+            </a:r>
+            <a:r>
+              <a:rPr lang="en-US" altLang="zh-CN" dirty="0" smtClean="0">
+                <a:hlinkClick r:id="rId5"/>
+              </a:rPr>
+              <a:t>www.jianshu.com/p/3d96dbf3f764</a:t>
+            </a:r>
+            <a:r>
+              <a:rPr lang="en-US" altLang="zh-CN" dirty="0" smtClean="0"/>
+              <a:t> </a:t>
+            </a:r>
+          </a:p>
+          <a:p>
+            <a:endParaRPr lang="en-US" altLang="zh-CN" dirty="0"/>
+          </a:p>
+        </p:txBody>
+      </p:sp>
+      <p:pic>
+        <p:nvPicPr>
+          <p:cNvPr id="2050" name="Picture 2"/>
+          <p:cNvPicPr>
+            <a:picLocks noChangeAspect="1" noChangeArrowheads="1"/>
+          </p:cNvPicPr>
+          <p:nvPr/>
+        </p:nvPicPr>
+        <p:blipFill>
+          <a:blip r:embed="rId6">
+            <a:extLst>
+              <a:ext uri="{28A0092B-C50C-407E-A947-70E740481C1C}">
+                <a14:useLocalDpi xmlns:a14="http://schemas.microsoft.com/office/drawing/2010/main" val="0"/>
+              </a:ext>
+            </a:extLst>
+          </a:blip>
+          <a:srcRect/>
+          <a:stretch>
+            <a:fillRect/>
+          </a:stretch>
+        </p:blipFill>
+        <p:spPr bwMode="auto">
+          <a:xfrm>
+            <a:off x="786623" y="3667648"/>
+            <a:ext cx="3787775" cy="2660948"/>
+          </a:xfrm>
+          <a:prstGeom prst="rect">
+            <a:avLst/>
+          </a:prstGeom>
+          <a:noFill/>
+          <a:ln>
+            <a:noFill/>
+          </a:ln>
+          <a:extLst>
+            <a:ext uri="{909E8E84-426E-40DD-AFC4-6F175D3DCCD1}">
+              <a14:hiddenFill xmlns:a14="http://schemas.microsoft.com/office/drawing/2010/main">
+                <a:solidFill>
+                  <a:schemeClr val="accent1"/>
+                </a:solidFill>
+              </a14:hiddenFill>
+            </a:ext>
+            <a:ext uri="{91240B29-F687-4F45-9708-019B960494DF}">
+              <a14:hiddenLine xmlns:a14="http://schemas.microsoft.com/office/drawing/2010/main" w="9525">
+                <a:solidFill>
+                  <a:schemeClr val="tx1"/>
+                </a:solidFill>
+                <a:miter lim="800000"/>
+                <a:headEnd/>
+                <a:tailEnd/>
+              </a14:hiddenLine>
+            </a:ext>
+          </a:extLst>
+        </p:spPr>
+      </p:pic>
+    </p:spTree>
+    <p:extLst>
+      <p:ext uri="{BB962C8B-B14F-4D97-AF65-F5344CB8AC3E}">
+        <p14:creationId xmlns:p14="http://schemas.microsoft.com/office/powerpoint/2010/main" val="278534498"/>
       </p:ext>
     </p:extLst>
   </p:cSld>
@@ -10173,7 +12653,7 @@
           <p:cNvPr id="2" name="表格 1">
             <a:extLst>
               <a:ext uri="{FF2B5EF4-FFF2-40B4-BE49-F238E27FC236}">
-                <a16:creationId xmlns:a16="http://schemas.microsoft.com/office/drawing/2014/main" id="{1E2A2A6C-C40D-4AE8-9A2E-D00C1C8F0CBA}"/>
+                <a16:creationId xmlns:a16="http://schemas.microsoft.com/office/drawing/2014/main" xmlns="" id="{1E2A2A6C-C40D-4AE8-9A2E-D00C1C8F0CBA}"/>
               </a:ext>
             </a:extLst>
           </p:cNvPr>
@@ -10202,14 +12682,14 @@
                 <a:gridCol w="3048000">
                   <a:extLst>
                     <a:ext uri="{9D8B030D-6E8A-4147-A177-3AD203B41FA5}">
-                      <a16:colId xmlns:a16="http://schemas.microsoft.com/office/drawing/2014/main" val="2468270067"/>
+                      <a16:colId xmlns:a16="http://schemas.microsoft.com/office/drawing/2014/main" xmlns="" val="2468270067"/>
                     </a:ext>
                   </a:extLst>
                 </a:gridCol>
                 <a:gridCol w="3048000">
                   <a:extLst>
                     <a:ext uri="{9D8B030D-6E8A-4147-A177-3AD203B41FA5}">
-                      <a16:colId xmlns:a16="http://schemas.microsoft.com/office/drawing/2014/main" val="1044695212"/>
+                      <a16:colId xmlns:a16="http://schemas.microsoft.com/office/drawing/2014/main" xmlns="" val="1044695212"/>
                     </a:ext>
                   </a:extLst>
                 </a:gridCol>
@@ -10245,7 +12725,7 @@
                 </a:tc>
                 <a:extLst>
                   <a:ext uri="{0D108BD9-81ED-4DB2-BD59-A6C34878D82A}">
-                    <a16:rowId xmlns:a16="http://schemas.microsoft.com/office/drawing/2014/main" val="891477003"/>
+                    <a16:rowId xmlns:a16="http://schemas.microsoft.com/office/drawing/2014/main" xmlns="" val="891477003"/>
                   </a:ext>
                 </a:extLst>
               </a:tr>
@@ -10500,7 +12980,7 @@
                 </a:tc>
                 <a:extLst>
                   <a:ext uri="{0D108BD9-81ED-4DB2-BD59-A6C34878D82A}">
-                    <a16:rowId xmlns:a16="http://schemas.microsoft.com/office/drawing/2014/main" val="2910477984"/>
+                    <a16:rowId xmlns:a16="http://schemas.microsoft.com/office/drawing/2014/main" xmlns="" val="2910477984"/>
                   </a:ext>
                 </a:extLst>
               </a:tr>
@@ -10513,7 +12993,7 @@
           <p:cNvPr id="3" name="文本框 2">
             <a:extLst>
               <a:ext uri="{FF2B5EF4-FFF2-40B4-BE49-F238E27FC236}">
-                <a16:creationId xmlns:a16="http://schemas.microsoft.com/office/drawing/2014/main" id="{C9D02B26-A108-4300-A627-9C3853A8DD72}"/>
+                <a16:creationId xmlns:a16="http://schemas.microsoft.com/office/drawing/2014/main" xmlns="" id="{C9D02B26-A108-4300-A627-9C3853A8DD72}"/>
               </a:ext>
             </a:extLst>
           </p:cNvPr>
@@ -10557,6 +13037,271 @@
     <p:extLst>
       <p:ext uri="{BB962C8B-B14F-4D97-AF65-F5344CB8AC3E}">
         <p14:creationId xmlns:p14="http://schemas.microsoft.com/office/powerpoint/2010/main" val="1152957108"/>
+      </p:ext>
+    </p:extLst>
+  </p:cSld>
+  <p:clrMapOvr>
+    <a:masterClrMapping/>
+  </p:clrMapOvr>
+  <p:transition>
+    <p:fade/>
+  </p:transition>
+</p:sld>
+</file>
+
+<file path=ppt/slides/slide20.xml><?xml version="1.0" encoding="utf-8"?>
+<p:sld xmlns:a="http://schemas.openxmlformats.org/drawingml/2006/main" xmlns:r="http://schemas.openxmlformats.org/officeDocument/2006/relationships" xmlns:p="http://schemas.openxmlformats.org/presentationml/2006/main">
+  <p:cSld>
+    <p:spTree>
+      <p:nvGrpSpPr>
+        <p:cNvPr id="1" name=""/>
+        <p:cNvGrpSpPr/>
+        <p:nvPr/>
+      </p:nvGrpSpPr>
+      <p:grpSpPr>
+        <a:xfrm>
+          <a:off x="0" y="0"/>
+          <a:ext cx="0" cy="0"/>
+          <a:chOff x="0" y="0"/>
+          <a:chExt cx="0" cy="0"/>
+        </a:xfrm>
+      </p:grpSpPr>
+      <p:sp>
+        <p:nvSpPr>
+          <p:cNvPr id="10" name="文本框 9"/>
+          <p:cNvSpPr txBox="1"/>
+          <p:nvPr/>
+        </p:nvSpPr>
+        <p:spPr>
+          <a:xfrm>
+            <a:off x="708182" y="595465"/>
+            <a:ext cx="418704" cy="646331"/>
+          </a:xfrm>
+          <a:prstGeom prst="rect">
+            <a:avLst/>
+          </a:prstGeom>
+          <a:noFill/>
+        </p:spPr>
+        <p:txBody>
+          <a:bodyPr wrap="none" rtlCol="0">
+            <a:spAutoFit/>
+          </a:bodyPr>
+          <a:lstStyle/>
+          <a:p>
+            <a:pPr algn="ctr"/>
+            <a:fld id="{E343E591-7A80-4183-A652-B57385720CD6}" type="slidenum">
+              <a:rPr kumimoji="1" lang="en-US" altLang="zh-CN" sz="3600" smtClean="0">
+                <a:solidFill>
+                  <a:schemeClr val="bg1"/>
+                </a:solidFill>
+                <a:latin typeface="Microsoft YaHei Bold"/>
+                <a:ea typeface="+mj-ea"/>
+                <a:cs typeface="Microsoft YaHei Bold"/>
+              </a:rPr>
+              <a:t>20</a:t>
+            </a:fld>
+            <a:endParaRPr kumimoji="1" lang="zh-CN" altLang="en-US" sz="3600" dirty="0">
+              <a:solidFill>
+                <a:schemeClr val="bg1"/>
+              </a:solidFill>
+              <a:latin typeface="Microsoft YaHei Bold"/>
+              <a:ea typeface="+mj-ea"/>
+              <a:cs typeface="Microsoft YaHei Bold"/>
+            </a:endParaRPr>
+          </a:p>
+        </p:txBody>
+      </p:sp>
+      <p:sp>
+        <p:nvSpPr>
+          <p:cNvPr id="11" name="文本框 10"/>
+          <p:cNvSpPr txBox="1"/>
+          <p:nvPr/>
+        </p:nvSpPr>
+        <p:spPr>
+          <a:xfrm>
+            <a:off x="1500833" y="628811"/>
+            <a:ext cx="1005403" cy="584775"/>
+          </a:xfrm>
+          <a:prstGeom prst="rect">
+            <a:avLst/>
+          </a:prstGeom>
+          <a:noFill/>
+        </p:spPr>
+        <p:txBody>
+          <a:bodyPr wrap="none" rtlCol="0">
+            <a:spAutoFit/>
+          </a:bodyPr>
+          <a:lstStyle/>
+          <a:p>
+            <a:r>
+              <a:rPr kumimoji="1" lang="zh-CN" altLang="en-US" sz="3200" b="1" dirty="0">
+                <a:solidFill>
+                  <a:srgbClr val="3369F8"/>
+                </a:solidFill>
+                <a:latin typeface="+mj-ea"/>
+                <a:ea typeface="+mj-ea"/>
+              </a:rPr>
+              <a:t>术语</a:t>
+            </a:r>
+            <a:endParaRPr kumimoji="1" lang="zh-CN" altLang="en-US" sz="3200" b="1" dirty="0">
+              <a:solidFill>
+                <a:srgbClr val="3369F8"/>
+              </a:solidFill>
+              <a:latin typeface="+mj-ea"/>
+              <a:ea typeface="+mj-ea"/>
+            </a:endParaRPr>
+          </a:p>
+        </p:txBody>
+      </p:sp>
+      <p:sp>
+        <p:nvSpPr>
+          <p:cNvPr id="3" name="TextBox 2"/>
+          <p:cNvSpPr txBox="1"/>
+          <p:nvPr/>
+        </p:nvSpPr>
+        <p:spPr>
+          <a:xfrm>
+            <a:off x="708181" y="1778558"/>
+            <a:ext cx="7732433" cy="2585323"/>
+          </a:xfrm>
+          <a:prstGeom prst="rect">
+            <a:avLst/>
+          </a:prstGeom>
+          <a:noFill/>
+        </p:spPr>
+        <p:txBody>
+          <a:bodyPr wrap="square" rtlCol="0">
+            <a:spAutoFit/>
+          </a:bodyPr>
+          <a:lstStyle/>
+          <a:p>
+            <a:pPr marL="285750" indent="-285750">
+              <a:buFont typeface="Wingdings" panose="05000000000000000000" pitchFamily="2" charset="2"/>
+              <a:buChar char="l"/>
+            </a:pPr>
+            <a:endParaRPr lang="en-US" altLang="zh-CN" dirty="0" smtClean="0"/>
+          </a:p>
+          <a:p>
+            <a:r>
+              <a:rPr lang="en-US" altLang="zh-CN" dirty="0"/>
+              <a:t>GAN </a:t>
+            </a:r>
+            <a:r>
+              <a:rPr lang="en-US" altLang="zh-CN" dirty="0">
+                <a:hlinkClick r:id="rId2"/>
+              </a:rPr>
+              <a:t>https://</a:t>
+            </a:r>
+            <a:r>
+              <a:rPr lang="en-US" altLang="zh-CN" dirty="0" smtClean="0">
+                <a:hlinkClick r:id="rId2"/>
+              </a:rPr>
+              <a:t>github.com/GKalliatakis/Delving-deep-into-GANs</a:t>
+            </a:r>
+            <a:endParaRPr lang="en-US" altLang="zh-CN" dirty="0" smtClean="0"/>
+          </a:p>
+          <a:p>
+            <a:endParaRPr lang="en-US" altLang="zh-CN" dirty="0"/>
+          </a:p>
+          <a:p>
+            <a:r>
+              <a:rPr lang="en-US" altLang="zh-CN" dirty="0"/>
+              <a:t>Recommendation </a:t>
+            </a:r>
+            <a:r>
+              <a:rPr lang="en-US" altLang="zh-CN" dirty="0">
+                <a:hlinkClick r:id="rId3"/>
+              </a:rPr>
+              <a:t>http://www.cs.cornell.edu/~ylongqi/publication/www16</a:t>
+            </a:r>
+            <a:r>
+              <a:rPr lang="en-US" altLang="zh-CN" dirty="0" smtClean="0">
+                <a:hlinkClick r:id="rId3"/>
+              </a:rPr>
+              <a:t>/</a:t>
+            </a:r>
+            <a:r>
+              <a:rPr lang="en-US" altLang="zh-CN" dirty="0" smtClean="0"/>
+              <a:t> </a:t>
+            </a:r>
+          </a:p>
+          <a:p>
+            <a:endParaRPr lang="en-US" altLang="zh-CN" dirty="0" smtClean="0"/>
+          </a:p>
+          <a:p>
+            <a:r>
+              <a:rPr lang="en-US" altLang="zh-CN" dirty="0" smtClean="0"/>
+              <a:t>Library</a:t>
+            </a:r>
+            <a:r>
+              <a:rPr lang="en-US" altLang="zh-CN" dirty="0" smtClean="0">
+                <a:hlinkClick r:id="rId4"/>
+              </a:rPr>
+              <a:t> https</a:t>
+            </a:r>
+            <a:r>
+              <a:rPr lang="en-US" altLang="zh-CN" dirty="0">
+                <a:hlinkClick r:id="rId4"/>
+              </a:rPr>
+              <a:t>://</a:t>
+            </a:r>
+            <a:r>
+              <a:rPr lang="en-US" altLang="zh-CN" dirty="0" smtClean="0">
+                <a:hlinkClick r:id="rId4"/>
+              </a:rPr>
+              <a:t>github.com/sunshineatnoon/Paper-Implementations</a:t>
+            </a:r>
+            <a:r>
+              <a:rPr lang="en-US" altLang="zh-CN" dirty="0" smtClean="0"/>
+              <a:t> </a:t>
+            </a:r>
+          </a:p>
+          <a:p>
+            <a:r>
+              <a:rPr lang="en-US" altLang="zh-CN" dirty="0">
+                <a:hlinkClick r:id="rId5"/>
+              </a:rPr>
+              <a:t>https://</a:t>
+            </a:r>
+            <a:r>
+              <a:rPr lang="en-US" altLang="zh-CN" dirty="0" smtClean="0">
+                <a:hlinkClick r:id="rId5"/>
+              </a:rPr>
+              <a:t>github.com/tzutalin/awesome-visual-slam</a:t>
+            </a:r>
+            <a:r>
+              <a:rPr lang="en-US" altLang="zh-CN" dirty="0" smtClean="0"/>
+              <a:t>  </a:t>
+            </a:r>
+          </a:p>
+          <a:p>
+            <a:endParaRPr lang="en-US" altLang="zh-CN" dirty="0" smtClean="0"/>
+          </a:p>
+          <a:p>
+            <a:r>
+              <a:rPr lang="en-US" altLang="zh-CN" dirty="0">
+                <a:hlinkClick r:id="rId6"/>
+              </a:rPr>
+              <a:t>https://</a:t>
+            </a:r>
+            <a:r>
+              <a:rPr lang="en-US" altLang="zh-CN" dirty="0" smtClean="0">
+                <a:hlinkClick r:id="rId6"/>
+              </a:rPr>
+              <a:t>www.zybuluo.com/vivounicorn/note/446479#516-</a:t>
+            </a:r>
+            <a:r>
+              <a:rPr lang="en-US" altLang="zh-CN" dirty="0" smtClean="0"/>
+              <a:t> </a:t>
+            </a:r>
+            <a:endParaRPr lang="en-US" altLang="zh-CN" dirty="0"/>
+          </a:p>
+        </p:txBody>
+      </p:sp>
+    </p:spTree>
+    <p:extLst>
+      <p:ext uri="{BB962C8B-B14F-4D97-AF65-F5344CB8AC3E}">
+        <p14:creationId xmlns:p14="http://schemas.microsoft.com/office/powerpoint/2010/main" val="559805317"/>
       </p:ext>
     </p:extLst>
   </p:cSld>
@@ -10694,14 +13439,14 @@
                 <a:gridCol w="4382530">
                   <a:extLst>
                     <a:ext uri="{9D8B030D-6E8A-4147-A177-3AD203B41FA5}">
-                      <a16:colId xmlns:a16="http://schemas.microsoft.com/office/drawing/2014/main" val="20000"/>
+                      <a16:colId xmlns:a16="http://schemas.microsoft.com/office/drawing/2014/main" xmlns="" val="20000"/>
                     </a:ext>
                   </a:extLst>
                 </a:gridCol>
                 <a:gridCol w="2179044">
                   <a:extLst>
                     <a:ext uri="{9D8B030D-6E8A-4147-A177-3AD203B41FA5}">
-                      <a16:colId xmlns:a16="http://schemas.microsoft.com/office/drawing/2014/main" val="20001"/>
+                      <a16:colId xmlns:a16="http://schemas.microsoft.com/office/drawing/2014/main" xmlns="" val="20001"/>
                     </a:ext>
                   </a:extLst>
                 </a:gridCol>
@@ -10753,7 +13498,7 @@
                 </a:tc>
                 <a:extLst>
                   <a:ext uri="{0D108BD9-81ED-4DB2-BD59-A6C34878D82A}">
-                    <a16:rowId xmlns:a16="http://schemas.microsoft.com/office/drawing/2014/main" val="10000"/>
+                    <a16:rowId xmlns:a16="http://schemas.microsoft.com/office/drawing/2014/main" xmlns="" val="10000"/>
                   </a:ext>
                 </a:extLst>
               </a:tr>
@@ -10817,7 +13562,7 @@
                 </a:tc>
                 <a:extLst>
                   <a:ext uri="{0D108BD9-81ED-4DB2-BD59-A6C34878D82A}">
-                    <a16:rowId xmlns:a16="http://schemas.microsoft.com/office/drawing/2014/main" val="10001"/>
+                    <a16:rowId xmlns:a16="http://schemas.microsoft.com/office/drawing/2014/main" xmlns="" val="10001"/>
                   </a:ext>
                 </a:extLst>
               </a:tr>
@@ -10861,7 +13606,7 @@
                 </a:tc>
                 <a:extLst>
                   <a:ext uri="{0D108BD9-81ED-4DB2-BD59-A6C34878D82A}">
-                    <a16:rowId xmlns:a16="http://schemas.microsoft.com/office/drawing/2014/main" val="10002"/>
+                    <a16:rowId xmlns:a16="http://schemas.microsoft.com/office/drawing/2014/main" xmlns="" val="10002"/>
                   </a:ext>
                 </a:extLst>
               </a:tr>
@@ -10913,7 +13658,7 @@
                 </a:tc>
                 <a:extLst>
                   <a:ext uri="{0D108BD9-81ED-4DB2-BD59-A6C34878D82A}">
-                    <a16:rowId xmlns:a16="http://schemas.microsoft.com/office/drawing/2014/main" val="10003"/>
+                    <a16:rowId xmlns:a16="http://schemas.microsoft.com/office/drawing/2014/main" xmlns="" val="10003"/>
                   </a:ext>
                 </a:extLst>
               </a:tr>
@@ -10965,7 +13710,7 @@
                 </a:tc>
                 <a:extLst>
                   <a:ext uri="{0D108BD9-81ED-4DB2-BD59-A6C34878D82A}">
-                    <a16:rowId xmlns:a16="http://schemas.microsoft.com/office/drawing/2014/main" val="10004"/>
+                    <a16:rowId xmlns:a16="http://schemas.microsoft.com/office/drawing/2014/main" xmlns="" val="10004"/>
                   </a:ext>
                 </a:extLst>
               </a:tr>
@@ -11017,7 +13762,7 @@
                 </a:tc>
                 <a:extLst>
                   <a:ext uri="{0D108BD9-81ED-4DB2-BD59-A6C34878D82A}">
-                    <a16:rowId xmlns:a16="http://schemas.microsoft.com/office/drawing/2014/main" val="10005"/>
+                    <a16:rowId xmlns:a16="http://schemas.microsoft.com/office/drawing/2014/main" xmlns="" val="10005"/>
                   </a:ext>
                 </a:extLst>
               </a:tr>
@@ -11170,7 +13915,7 @@
           <p:cNvPr id="3" name="文本框 2">
             <a:extLst>
               <a:ext uri="{FF2B5EF4-FFF2-40B4-BE49-F238E27FC236}">
-                <a16:creationId xmlns:a16="http://schemas.microsoft.com/office/drawing/2014/main" id="{6B0086F9-856B-4073-BEE3-B3CB347F7075}"/>
+                <a16:creationId xmlns:a16="http://schemas.microsoft.com/office/drawing/2014/main" xmlns="" id="{6B0086F9-856B-4073-BEE3-B3CB347F7075}"/>
               </a:ext>
             </a:extLst>
           </p:cNvPr>
@@ -11379,7 +14124,7 @@
           <p:cNvPr id="3" name="文本框 2">
             <a:extLst>
               <a:ext uri="{FF2B5EF4-FFF2-40B4-BE49-F238E27FC236}">
-                <a16:creationId xmlns:a16="http://schemas.microsoft.com/office/drawing/2014/main" id="{6B0086F9-856B-4073-BEE3-B3CB347F7075}"/>
+                <a16:creationId xmlns:a16="http://schemas.microsoft.com/office/drawing/2014/main" xmlns="" id="{6B0086F9-856B-4073-BEE3-B3CB347F7075}"/>
               </a:ext>
             </a:extLst>
           </p:cNvPr>
@@ -11694,7 +14439,7 @@
           <p:cNvPr id="2" name="表格 1">
             <a:extLst>
               <a:ext uri="{FF2B5EF4-FFF2-40B4-BE49-F238E27FC236}">
-                <a16:creationId xmlns:a16="http://schemas.microsoft.com/office/drawing/2014/main" id="{3568B060-AA20-4442-8C48-E2227F6D9A22}"/>
+                <a16:creationId xmlns:a16="http://schemas.microsoft.com/office/drawing/2014/main" xmlns="" id="{3568B060-AA20-4442-8C48-E2227F6D9A22}"/>
               </a:ext>
             </a:extLst>
           </p:cNvPr>
@@ -11723,14 +14468,14 @@
                 <a:gridCol w="1516687">
                   <a:extLst>
                     <a:ext uri="{9D8B030D-6E8A-4147-A177-3AD203B41FA5}">
-                      <a16:colId xmlns:a16="http://schemas.microsoft.com/office/drawing/2014/main" val="243103471"/>
+                      <a16:colId xmlns:a16="http://schemas.microsoft.com/office/drawing/2014/main" xmlns="" val="243103471"/>
                     </a:ext>
                   </a:extLst>
                 </a:gridCol>
                 <a:gridCol w="4579313">
                   <a:extLst>
                     <a:ext uri="{9D8B030D-6E8A-4147-A177-3AD203B41FA5}">
-                      <a16:colId xmlns:a16="http://schemas.microsoft.com/office/drawing/2014/main" val="2855393051"/>
+                      <a16:colId xmlns:a16="http://schemas.microsoft.com/office/drawing/2014/main" xmlns="" val="2855393051"/>
                     </a:ext>
                   </a:extLst>
                 </a:gridCol>
@@ -11790,7 +14535,7 @@
                 </a:tc>
                 <a:extLst>
                   <a:ext uri="{0D108BD9-81ED-4DB2-BD59-A6C34878D82A}">
-                    <a16:rowId xmlns:a16="http://schemas.microsoft.com/office/drawing/2014/main" val="3903036004"/>
+                    <a16:rowId xmlns:a16="http://schemas.microsoft.com/office/drawing/2014/main" xmlns="" val="3903036004"/>
                   </a:ext>
                 </a:extLst>
               </a:tr>
@@ -11953,7 +14698,7 @@
                 </a:tc>
                 <a:extLst>
                   <a:ext uri="{0D108BD9-81ED-4DB2-BD59-A6C34878D82A}">
-                    <a16:rowId xmlns:a16="http://schemas.microsoft.com/office/drawing/2014/main" val="4052358886"/>
+                    <a16:rowId xmlns:a16="http://schemas.microsoft.com/office/drawing/2014/main" xmlns="" val="4052358886"/>
                   </a:ext>
                 </a:extLst>
               </a:tr>
@@ -12008,7 +14753,7 @@
                 </a:tc>
                 <a:extLst>
                   <a:ext uri="{0D108BD9-81ED-4DB2-BD59-A6C34878D82A}">
-                    <a16:rowId xmlns:a16="http://schemas.microsoft.com/office/drawing/2014/main" val="69820096"/>
+                    <a16:rowId xmlns:a16="http://schemas.microsoft.com/office/drawing/2014/main" xmlns="" val="69820096"/>
                   </a:ext>
                 </a:extLst>
               </a:tr>
@@ -12154,7 +14899,7 @@
           <p:cNvPr id="2" name="图片 1">
             <a:extLst>
               <a:ext uri="{FF2B5EF4-FFF2-40B4-BE49-F238E27FC236}">
-                <a16:creationId xmlns:a16="http://schemas.microsoft.com/office/drawing/2014/main" id="{9C14CA84-9244-4717-9B0B-67A85D9BF95E}"/>
+                <a16:creationId xmlns:a16="http://schemas.microsoft.com/office/drawing/2014/main" xmlns="" id="{9C14CA84-9244-4717-9B0B-67A85D9BF95E}"/>
               </a:ext>
             </a:extLst>
           </p:cNvPr>
@@ -12184,7 +14929,7 @@
           <p:cNvPr id="4" name="图片 3">
             <a:extLst>
               <a:ext uri="{FF2B5EF4-FFF2-40B4-BE49-F238E27FC236}">
-                <a16:creationId xmlns:a16="http://schemas.microsoft.com/office/drawing/2014/main" id="{8F24BF43-17A9-4F37-A5A8-6CC70DE60C55}"/>
+                <a16:creationId xmlns:a16="http://schemas.microsoft.com/office/drawing/2014/main" xmlns="" id="{8F24BF43-17A9-4F37-A5A8-6CC70DE60C55}"/>
               </a:ext>
             </a:extLst>
           </p:cNvPr>
@@ -12214,7 +14959,7 @@
           <p:cNvPr id="7" name="文本框 6">
             <a:extLst>
               <a:ext uri="{FF2B5EF4-FFF2-40B4-BE49-F238E27FC236}">
-                <a16:creationId xmlns:a16="http://schemas.microsoft.com/office/drawing/2014/main" id="{FDBE38D4-CC42-4B23-B4B7-1DEC98ACCC23}"/>
+                <a16:creationId xmlns:a16="http://schemas.microsoft.com/office/drawing/2014/main" xmlns="" id="{FDBE38D4-CC42-4B23-B4B7-1DEC98ACCC23}"/>
               </a:ext>
             </a:extLst>
           </p:cNvPr>
@@ -12401,7 +15146,7 @@
           <p:cNvPr id="2" name="图片 1">
             <a:extLst>
               <a:ext uri="{FF2B5EF4-FFF2-40B4-BE49-F238E27FC236}">
-                <a16:creationId xmlns:a16="http://schemas.microsoft.com/office/drawing/2014/main" id="{8A40B88E-9261-46BF-9298-7AA55D7891F9}"/>
+                <a16:creationId xmlns:a16="http://schemas.microsoft.com/office/drawing/2014/main" xmlns="" id="{8A40B88E-9261-46BF-9298-7AA55D7891F9}"/>
               </a:ext>
             </a:extLst>
           </p:cNvPr>
@@ -12431,7 +15176,7 @@
           <p:cNvPr id="3" name="文本框 2">
             <a:extLst>
               <a:ext uri="{FF2B5EF4-FFF2-40B4-BE49-F238E27FC236}">
-                <a16:creationId xmlns:a16="http://schemas.microsoft.com/office/drawing/2014/main" id="{C840E267-8DA8-48C2-A00A-873E15E41619}"/>
+                <a16:creationId xmlns:a16="http://schemas.microsoft.com/office/drawing/2014/main" xmlns="" id="{C840E267-8DA8-48C2-A00A-873E15E41619}"/>
               </a:ext>
             </a:extLst>
           </p:cNvPr>
@@ -12596,7 +15341,7 @@
           <p:cNvPr id="3" name="Rectangle 2">
             <a:extLst>
               <a:ext uri="{FF2B5EF4-FFF2-40B4-BE49-F238E27FC236}">
-                <a16:creationId xmlns:a16="http://schemas.microsoft.com/office/drawing/2014/main" id="{5D44ECB2-74C3-4BDD-90C0-1C5F98B69BD0}"/>
+                <a16:creationId xmlns:a16="http://schemas.microsoft.com/office/drawing/2014/main" xmlns="" id="{5D44ECB2-74C3-4BDD-90C0-1C5F98B69BD0}"/>
               </a:ext>
             </a:extLst>
           </p:cNvPr>
@@ -12665,7 +15410,7 @@
           <p:cNvPr id="4" name="对象 3">
             <a:extLst>
               <a:ext uri="{FF2B5EF4-FFF2-40B4-BE49-F238E27FC236}">
-                <a16:creationId xmlns:a16="http://schemas.microsoft.com/office/drawing/2014/main" id="{C0C899F6-3A6E-47DB-BD1F-0940F2EAAAC5}"/>
+                <a16:creationId xmlns:a16="http://schemas.microsoft.com/office/drawing/2014/main" xmlns="" id="{C0C899F6-3A6E-47DB-BD1F-0940F2EAAAC5}"/>
               </a:ext>
             </a:extLst>
           </p:cNvPr>
@@ -12688,7 +15433,7 @@
           <a:graphicData uri="http://schemas.openxmlformats.org/presentationml/2006/ole">
             <mc:AlternateContent xmlns:mc="http://schemas.openxmlformats.org/markup-compatibility/2006">
               <mc:Choice xmlns:v="urn:schemas-microsoft-com:vml" Requires="v">
-                <p:oleObj spid="_x0000_s1029" name="Visio" r:id="rId3" imgW="6721478" imgH="3962086" progId="Visio.Drawing.11">
+                <p:oleObj spid="_x0000_s1035" name="Visio" r:id="rId3" imgW="6721478" imgH="3962086" progId="Visio.Drawing.11">
                   <p:embed/>
                 </p:oleObj>
               </mc:Choice>
